--- a/day1/presentation/servletandjsp.pptx
+++ b/day1/presentation/servletandjsp.pptx
@@ -134,7 +134,7 @@
   </p:defaultTextStyle>
   <p:extLst>
     <p:ext uri="{EFAFB233-063F-42B5-8137-9DF3F51BA10A}">
-      <p15:sldGuideLst xmlns:p15="http://schemas.microsoft.com/office/powerpoint/2012/main"/>
+      <p15:sldGuideLst xmlns:p15="http://schemas.microsoft.com/office/powerpoint/2012/main" xmlns=""/>
     </p:ext>
   </p:extLst>
 </p:presentation>
@@ -162,7 +162,7 @@
           <p:cNvPr id="2" name="Title 1">
             <a:extLst>
               <a:ext uri="{FF2B5EF4-FFF2-40B4-BE49-F238E27FC236}">
-                <a16:creationId xmlns:a16="http://schemas.microsoft.com/office/drawing/2014/main" id="{6D6E55CF-1219-41C8-8B58-66B4AF6684B4}"/>
+                <a16:creationId xmlns:a16="http://schemas.microsoft.com/office/drawing/2014/main" xmlns="" id="{6D6E55CF-1219-41C8-8B58-66B4AF6684B4}"/>
               </a:ext>
             </a:extLst>
           </p:cNvPr>
@@ -200,7 +200,7 @@
           <p:cNvPr id="3" name="Subtitle 2">
             <a:extLst>
               <a:ext uri="{FF2B5EF4-FFF2-40B4-BE49-F238E27FC236}">
-                <a16:creationId xmlns:a16="http://schemas.microsoft.com/office/drawing/2014/main" id="{0AF10485-7D8A-498B-9366-1D903D80C807}"/>
+                <a16:creationId xmlns:a16="http://schemas.microsoft.com/office/drawing/2014/main" xmlns="" id="{0AF10485-7D8A-498B-9366-1D903D80C807}"/>
               </a:ext>
             </a:extLst>
           </p:cNvPr>
@@ -271,7 +271,7 @@
           <p:cNvPr id="4" name="Date Placeholder 3">
             <a:extLst>
               <a:ext uri="{FF2B5EF4-FFF2-40B4-BE49-F238E27FC236}">
-                <a16:creationId xmlns:a16="http://schemas.microsoft.com/office/drawing/2014/main" id="{DAE81F86-01F4-4856-BDDF-3D5BC4530DCE}"/>
+                <a16:creationId xmlns:a16="http://schemas.microsoft.com/office/drawing/2014/main" xmlns="" id="{DAE81F86-01F4-4856-BDDF-3D5BC4530DCE}"/>
               </a:ext>
             </a:extLst>
           </p:cNvPr>
@@ -289,6 +289,7 @@
           <a:p>
             <a:fld id="{B3B48485-EDEB-4E5A-BB3A-BC2391E627B4}" type="datetimeFigureOut">
               <a:rPr lang="en-IN" smtClean="0"/>
+              <a:pPr/>
               <a:t>20-01-2020</a:t>
             </a:fld>
             <a:endParaRPr lang="en-IN"/>
@@ -300,7 +301,7 @@
           <p:cNvPr id="5" name="Footer Placeholder 4">
             <a:extLst>
               <a:ext uri="{FF2B5EF4-FFF2-40B4-BE49-F238E27FC236}">
-                <a16:creationId xmlns:a16="http://schemas.microsoft.com/office/drawing/2014/main" id="{A4FE61DA-C2A5-48CA-9078-1B1D1357E1CF}"/>
+                <a16:creationId xmlns:a16="http://schemas.microsoft.com/office/drawing/2014/main" xmlns="" id="{A4FE61DA-C2A5-48CA-9078-1B1D1357E1CF}"/>
               </a:ext>
             </a:extLst>
           </p:cNvPr>
@@ -325,7 +326,7 @@
           <p:cNvPr id="6" name="Slide Number Placeholder 5">
             <a:extLst>
               <a:ext uri="{FF2B5EF4-FFF2-40B4-BE49-F238E27FC236}">
-                <a16:creationId xmlns:a16="http://schemas.microsoft.com/office/drawing/2014/main" id="{E76FA52B-470F-42FD-87C5-2DE4442DAE07}"/>
+                <a16:creationId xmlns:a16="http://schemas.microsoft.com/office/drawing/2014/main" xmlns="" id="{E76FA52B-470F-42FD-87C5-2DE4442DAE07}"/>
               </a:ext>
             </a:extLst>
           </p:cNvPr>
@@ -343,6 +344,7 @@
           <a:p>
             <a:fld id="{87F472DF-D0EC-471E-A40A-5BA795EB6BF8}" type="slidenum">
               <a:rPr lang="en-IN" smtClean="0"/>
+              <a:pPr/>
               <a:t>‹#›</a:t>
             </a:fld>
             <a:endParaRPr lang="en-IN"/>
@@ -352,7 +354,7 @@
     </p:spTree>
     <p:extLst>
       <p:ext uri="{BB962C8B-B14F-4D97-AF65-F5344CB8AC3E}">
-        <p14:creationId xmlns:p14="http://schemas.microsoft.com/office/powerpoint/2010/main" val="826300635"/>
+        <p14:creationId xmlns:p14="http://schemas.microsoft.com/office/powerpoint/2010/main" xmlns="" val="826300635"/>
       </p:ext>
     </p:extLst>
   </p:cSld>
@@ -384,7 +386,7 @@
           <p:cNvPr id="2" name="Title 1">
             <a:extLst>
               <a:ext uri="{FF2B5EF4-FFF2-40B4-BE49-F238E27FC236}">
-                <a16:creationId xmlns:a16="http://schemas.microsoft.com/office/drawing/2014/main" id="{2932E5AF-B45E-4818-B164-190A701E1929}"/>
+                <a16:creationId xmlns:a16="http://schemas.microsoft.com/office/drawing/2014/main" xmlns="" id="{2932E5AF-B45E-4818-B164-190A701E1929}"/>
               </a:ext>
             </a:extLst>
           </p:cNvPr>
@@ -413,7 +415,7 @@
           <p:cNvPr id="3" name="Vertical Text Placeholder 2">
             <a:extLst>
               <a:ext uri="{FF2B5EF4-FFF2-40B4-BE49-F238E27FC236}">
-                <a16:creationId xmlns:a16="http://schemas.microsoft.com/office/drawing/2014/main" id="{C95DC0C4-24D8-4EA1-A46C-DEAB571DBC73}"/>
+                <a16:creationId xmlns:a16="http://schemas.microsoft.com/office/drawing/2014/main" xmlns="" id="{C95DC0C4-24D8-4EA1-A46C-DEAB571DBC73}"/>
               </a:ext>
             </a:extLst>
           </p:cNvPr>
@@ -471,7 +473,7 @@
           <p:cNvPr id="4" name="Date Placeholder 3">
             <a:extLst>
               <a:ext uri="{FF2B5EF4-FFF2-40B4-BE49-F238E27FC236}">
-                <a16:creationId xmlns:a16="http://schemas.microsoft.com/office/drawing/2014/main" id="{953E1C6E-7D45-4DE3-A51D-3441C948032F}"/>
+                <a16:creationId xmlns:a16="http://schemas.microsoft.com/office/drawing/2014/main" xmlns="" id="{953E1C6E-7D45-4DE3-A51D-3441C948032F}"/>
               </a:ext>
             </a:extLst>
           </p:cNvPr>
@@ -489,6 +491,7 @@
           <a:p>
             <a:fld id="{B3B48485-EDEB-4E5A-BB3A-BC2391E627B4}" type="datetimeFigureOut">
               <a:rPr lang="en-IN" smtClean="0"/>
+              <a:pPr/>
               <a:t>20-01-2020</a:t>
             </a:fld>
             <a:endParaRPr lang="en-IN"/>
@@ -500,7 +503,7 @@
           <p:cNvPr id="5" name="Footer Placeholder 4">
             <a:extLst>
               <a:ext uri="{FF2B5EF4-FFF2-40B4-BE49-F238E27FC236}">
-                <a16:creationId xmlns:a16="http://schemas.microsoft.com/office/drawing/2014/main" id="{22B068A0-6236-4080-8D00-67A59EB0969B}"/>
+                <a16:creationId xmlns:a16="http://schemas.microsoft.com/office/drawing/2014/main" xmlns="" id="{22B068A0-6236-4080-8D00-67A59EB0969B}"/>
               </a:ext>
             </a:extLst>
           </p:cNvPr>
@@ -525,7 +528,7 @@
           <p:cNvPr id="6" name="Slide Number Placeholder 5">
             <a:extLst>
               <a:ext uri="{FF2B5EF4-FFF2-40B4-BE49-F238E27FC236}">
-                <a16:creationId xmlns:a16="http://schemas.microsoft.com/office/drawing/2014/main" id="{ABCBE01B-9213-429F-AB43-BDE1C077E454}"/>
+                <a16:creationId xmlns:a16="http://schemas.microsoft.com/office/drawing/2014/main" xmlns="" id="{ABCBE01B-9213-429F-AB43-BDE1C077E454}"/>
               </a:ext>
             </a:extLst>
           </p:cNvPr>
@@ -543,6 +546,7 @@
           <a:p>
             <a:fld id="{87F472DF-D0EC-471E-A40A-5BA795EB6BF8}" type="slidenum">
               <a:rPr lang="en-IN" smtClean="0"/>
+              <a:pPr/>
               <a:t>‹#›</a:t>
             </a:fld>
             <a:endParaRPr lang="en-IN"/>
@@ -552,7 +556,7 @@
     </p:spTree>
     <p:extLst>
       <p:ext uri="{BB962C8B-B14F-4D97-AF65-F5344CB8AC3E}">
-        <p14:creationId xmlns:p14="http://schemas.microsoft.com/office/powerpoint/2010/main" val="2531736592"/>
+        <p14:creationId xmlns:p14="http://schemas.microsoft.com/office/powerpoint/2010/main" xmlns="" val="2531736592"/>
       </p:ext>
     </p:extLst>
   </p:cSld>
@@ -584,7 +588,7 @@
           <p:cNvPr id="2" name="Vertical Title 1">
             <a:extLst>
               <a:ext uri="{FF2B5EF4-FFF2-40B4-BE49-F238E27FC236}">
-                <a16:creationId xmlns:a16="http://schemas.microsoft.com/office/drawing/2014/main" id="{F0AC38E8-2FE5-4B4A-8A03-A2A65362F6AE}"/>
+                <a16:creationId xmlns:a16="http://schemas.microsoft.com/office/drawing/2014/main" xmlns="" id="{F0AC38E8-2FE5-4B4A-8A03-A2A65362F6AE}"/>
               </a:ext>
             </a:extLst>
           </p:cNvPr>
@@ -618,7 +622,7 @@
           <p:cNvPr id="3" name="Vertical Text Placeholder 2">
             <a:extLst>
               <a:ext uri="{FF2B5EF4-FFF2-40B4-BE49-F238E27FC236}">
-                <a16:creationId xmlns:a16="http://schemas.microsoft.com/office/drawing/2014/main" id="{3244DB88-E0DF-4E2B-82D6-411109557F40}"/>
+                <a16:creationId xmlns:a16="http://schemas.microsoft.com/office/drawing/2014/main" xmlns="" id="{3244DB88-E0DF-4E2B-82D6-411109557F40}"/>
               </a:ext>
             </a:extLst>
           </p:cNvPr>
@@ -681,7 +685,7 @@
           <p:cNvPr id="4" name="Date Placeholder 3">
             <a:extLst>
               <a:ext uri="{FF2B5EF4-FFF2-40B4-BE49-F238E27FC236}">
-                <a16:creationId xmlns:a16="http://schemas.microsoft.com/office/drawing/2014/main" id="{D5C84BC7-18AF-4C06-ACDB-EC2BE129C67A}"/>
+                <a16:creationId xmlns:a16="http://schemas.microsoft.com/office/drawing/2014/main" xmlns="" id="{D5C84BC7-18AF-4C06-ACDB-EC2BE129C67A}"/>
               </a:ext>
             </a:extLst>
           </p:cNvPr>
@@ -699,6 +703,7 @@
           <a:p>
             <a:fld id="{B3B48485-EDEB-4E5A-BB3A-BC2391E627B4}" type="datetimeFigureOut">
               <a:rPr lang="en-IN" smtClean="0"/>
+              <a:pPr/>
               <a:t>20-01-2020</a:t>
             </a:fld>
             <a:endParaRPr lang="en-IN"/>
@@ -710,7 +715,7 @@
           <p:cNvPr id="5" name="Footer Placeholder 4">
             <a:extLst>
               <a:ext uri="{FF2B5EF4-FFF2-40B4-BE49-F238E27FC236}">
-                <a16:creationId xmlns:a16="http://schemas.microsoft.com/office/drawing/2014/main" id="{5EAB1688-CA98-4102-B67C-0CE7B37198E6}"/>
+                <a16:creationId xmlns:a16="http://schemas.microsoft.com/office/drawing/2014/main" xmlns="" id="{5EAB1688-CA98-4102-B67C-0CE7B37198E6}"/>
               </a:ext>
             </a:extLst>
           </p:cNvPr>
@@ -735,7 +740,7 @@
           <p:cNvPr id="6" name="Slide Number Placeholder 5">
             <a:extLst>
               <a:ext uri="{FF2B5EF4-FFF2-40B4-BE49-F238E27FC236}">
-                <a16:creationId xmlns:a16="http://schemas.microsoft.com/office/drawing/2014/main" id="{F895BB8E-8662-4EF1-A418-E85F60E9E1D6}"/>
+                <a16:creationId xmlns:a16="http://schemas.microsoft.com/office/drawing/2014/main" xmlns="" id="{F895BB8E-8662-4EF1-A418-E85F60E9E1D6}"/>
               </a:ext>
             </a:extLst>
           </p:cNvPr>
@@ -753,6 +758,7 @@
           <a:p>
             <a:fld id="{87F472DF-D0EC-471E-A40A-5BA795EB6BF8}" type="slidenum">
               <a:rPr lang="en-IN" smtClean="0"/>
+              <a:pPr/>
               <a:t>‹#›</a:t>
             </a:fld>
             <a:endParaRPr lang="en-IN"/>
@@ -762,7 +768,7 @@
     </p:spTree>
     <p:extLst>
       <p:ext uri="{BB962C8B-B14F-4D97-AF65-F5344CB8AC3E}">
-        <p14:creationId xmlns:p14="http://schemas.microsoft.com/office/powerpoint/2010/main" val="277477182"/>
+        <p14:creationId xmlns:p14="http://schemas.microsoft.com/office/powerpoint/2010/main" xmlns="" val="277477182"/>
       </p:ext>
     </p:extLst>
   </p:cSld>
@@ -794,7 +800,7 @@
           <p:cNvPr id="2" name="Title 1">
             <a:extLst>
               <a:ext uri="{FF2B5EF4-FFF2-40B4-BE49-F238E27FC236}">
-                <a16:creationId xmlns:a16="http://schemas.microsoft.com/office/drawing/2014/main" id="{F0B33D71-9FA6-4C08-ACF0-C53C351DEF28}"/>
+                <a16:creationId xmlns:a16="http://schemas.microsoft.com/office/drawing/2014/main" xmlns="" id="{F0B33D71-9FA6-4C08-ACF0-C53C351DEF28}"/>
               </a:ext>
             </a:extLst>
           </p:cNvPr>
@@ -823,7 +829,7 @@
           <p:cNvPr id="3" name="Content Placeholder 2">
             <a:extLst>
               <a:ext uri="{FF2B5EF4-FFF2-40B4-BE49-F238E27FC236}">
-                <a16:creationId xmlns:a16="http://schemas.microsoft.com/office/drawing/2014/main" id="{EBBEE549-37DB-468D-9476-6B8C1C1FD3ED}"/>
+                <a16:creationId xmlns:a16="http://schemas.microsoft.com/office/drawing/2014/main" xmlns="" id="{EBBEE549-37DB-468D-9476-6B8C1C1FD3ED}"/>
               </a:ext>
             </a:extLst>
           </p:cNvPr>
@@ -881,7 +887,7 @@
           <p:cNvPr id="4" name="Date Placeholder 3">
             <a:extLst>
               <a:ext uri="{FF2B5EF4-FFF2-40B4-BE49-F238E27FC236}">
-                <a16:creationId xmlns:a16="http://schemas.microsoft.com/office/drawing/2014/main" id="{92E0A4DC-7735-47AD-851A-C745996242DD}"/>
+                <a16:creationId xmlns:a16="http://schemas.microsoft.com/office/drawing/2014/main" xmlns="" id="{92E0A4DC-7735-47AD-851A-C745996242DD}"/>
               </a:ext>
             </a:extLst>
           </p:cNvPr>
@@ -899,6 +905,7 @@
           <a:p>
             <a:fld id="{B3B48485-EDEB-4E5A-BB3A-BC2391E627B4}" type="datetimeFigureOut">
               <a:rPr lang="en-IN" smtClean="0"/>
+              <a:pPr/>
               <a:t>20-01-2020</a:t>
             </a:fld>
             <a:endParaRPr lang="en-IN"/>
@@ -910,7 +917,7 @@
           <p:cNvPr id="5" name="Footer Placeholder 4">
             <a:extLst>
               <a:ext uri="{FF2B5EF4-FFF2-40B4-BE49-F238E27FC236}">
-                <a16:creationId xmlns:a16="http://schemas.microsoft.com/office/drawing/2014/main" id="{26943FBC-A5D1-43BD-9DA0-D398ABDA2C01}"/>
+                <a16:creationId xmlns:a16="http://schemas.microsoft.com/office/drawing/2014/main" xmlns="" id="{26943FBC-A5D1-43BD-9DA0-D398ABDA2C01}"/>
               </a:ext>
             </a:extLst>
           </p:cNvPr>
@@ -935,7 +942,7 @@
           <p:cNvPr id="6" name="Slide Number Placeholder 5">
             <a:extLst>
               <a:ext uri="{FF2B5EF4-FFF2-40B4-BE49-F238E27FC236}">
-                <a16:creationId xmlns:a16="http://schemas.microsoft.com/office/drawing/2014/main" id="{47B12916-2335-483B-94EA-D11851E5B31E}"/>
+                <a16:creationId xmlns:a16="http://schemas.microsoft.com/office/drawing/2014/main" xmlns="" id="{47B12916-2335-483B-94EA-D11851E5B31E}"/>
               </a:ext>
             </a:extLst>
           </p:cNvPr>
@@ -953,6 +960,7 @@
           <a:p>
             <a:fld id="{87F472DF-D0EC-471E-A40A-5BA795EB6BF8}" type="slidenum">
               <a:rPr lang="en-IN" smtClean="0"/>
+              <a:pPr/>
               <a:t>‹#›</a:t>
             </a:fld>
             <a:endParaRPr lang="en-IN"/>
@@ -962,7 +970,7 @@
     </p:spTree>
     <p:extLst>
       <p:ext uri="{BB962C8B-B14F-4D97-AF65-F5344CB8AC3E}">
-        <p14:creationId xmlns:p14="http://schemas.microsoft.com/office/powerpoint/2010/main" val="4242056410"/>
+        <p14:creationId xmlns:p14="http://schemas.microsoft.com/office/powerpoint/2010/main" xmlns="" val="4242056410"/>
       </p:ext>
     </p:extLst>
   </p:cSld>
@@ -994,7 +1002,7 @@
           <p:cNvPr id="2" name="Title 1">
             <a:extLst>
               <a:ext uri="{FF2B5EF4-FFF2-40B4-BE49-F238E27FC236}">
-                <a16:creationId xmlns:a16="http://schemas.microsoft.com/office/drawing/2014/main" id="{3E063A2F-18F7-4536-99F2-FC8B2759511F}"/>
+                <a16:creationId xmlns:a16="http://schemas.microsoft.com/office/drawing/2014/main" xmlns="" id="{3E063A2F-18F7-4536-99F2-FC8B2759511F}"/>
               </a:ext>
             </a:extLst>
           </p:cNvPr>
@@ -1032,7 +1040,7 @@
           <p:cNvPr id="3" name="Text Placeholder 2">
             <a:extLst>
               <a:ext uri="{FF2B5EF4-FFF2-40B4-BE49-F238E27FC236}">
-                <a16:creationId xmlns:a16="http://schemas.microsoft.com/office/drawing/2014/main" id="{58609D9B-9245-44DC-AC75-443ED57CAA3F}"/>
+                <a16:creationId xmlns:a16="http://schemas.microsoft.com/office/drawing/2014/main" xmlns="" id="{58609D9B-9245-44DC-AC75-443ED57CAA3F}"/>
               </a:ext>
             </a:extLst>
           </p:cNvPr>
@@ -1157,7 +1165,7 @@
           <p:cNvPr id="4" name="Date Placeholder 3">
             <a:extLst>
               <a:ext uri="{FF2B5EF4-FFF2-40B4-BE49-F238E27FC236}">
-                <a16:creationId xmlns:a16="http://schemas.microsoft.com/office/drawing/2014/main" id="{164A991A-C6AB-403A-B977-F46238364B05}"/>
+                <a16:creationId xmlns:a16="http://schemas.microsoft.com/office/drawing/2014/main" xmlns="" id="{164A991A-C6AB-403A-B977-F46238364B05}"/>
               </a:ext>
             </a:extLst>
           </p:cNvPr>
@@ -1175,6 +1183,7 @@
           <a:p>
             <a:fld id="{B3B48485-EDEB-4E5A-BB3A-BC2391E627B4}" type="datetimeFigureOut">
               <a:rPr lang="en-IN" smtClean="0"/>
+              <a:pPr/>
               <a:t>20-01-2020</a:t>
             </a:fld>
             <a:endParaRPr lang="en-IN"/>
@@ -1186,7 +1195,7 @@
           <p:cNvPr id="5" name="Footer Placeholder 4">
             <a:extLst>
               <a:ext uri="{FF2B5EF4-FFF2-40B4-BE49-F238E27FC236}">
-                <a16:creationId xmlns:a16="http://schemas.microsoft.com/office/drawing/2014/main" id="{234D9759-DC1E-4975-97B2-29C7C3594097}"/>
+                <a16:creationId xmlns:a16="http://schemas.microsoft.com/office/drawing/2014/main" xmlns="" id="{234D9759-DC1E-4975-97B2-29C7C3594097}"/>
               </a:ext>
             </a:extLst>
           </p:cNvPr>
@@ -1211,7 +1220,7 @@
           <p:cNvPr id="6" name="Slide Number Placeholder 5">
             <a:extLst>
               <a:ext uri="{FF2B5EF4-FFF2-40B4-BE49-F238E27FC236}">
-                <a16:creationId xmlns:a16="http://schemas.microsoft.com/office/drawing/2014/main" id="{834CA209-750C-4C8B-B751-3416FE88993B}"/>
+                <a16:creationId xmlns:a16="http://schemas.microsoft.com/office/drawing/2014/main" xmlns="" id="{834CA209-750C-4C8B-B751-3416FE88993B}"/>
               </a:ext>
             </a:extLst>
           </p:cNvPr>
@@ -1229,6 +1238,7 @@
           <a:p>
             <a:fld id="{87F472DF-D0EC-471E-A40A-5BA795EB6BF8}" type="slidenum">
               <a:rPr lang="en-IN" smtClean="0"/>
+              <a:pPr/>
               <a:t>‹#›</a:t>
             </a:fld>
             <a:endParaRPr lang="en-IN"/>
@@ -1238,7 +1248,7 @@
     </p:spTree>
     <p:extLst>
       <p:ext uri="{BB962C8B-B14F-4D97-AF65-F5344CB8AC3E}">
-        <p14:creationId xmlns:p14="http://schemas.microsoft.com/office/powerpoint/2010/main" val="217703254"/>
+        <p14:creationId xmlns:p14="http://schemas.microsoft.com/office/powerpoint/2010/main" xmlns="" val="217703254"/>
       </p:ext>
     </p:extLst>
   </p:cSld>
@@ -1270,7 +1280,7 @@
           <p:cNvPr id="2" name="Title 1">
             <a:extLst>
               <a:ext uri="{FF2B5EF4-FFF2-40B4-BE49-F238E27FC236}">
-                <a16:creationId xmlns:a16="http://schemas.microsoft.com/office/drawing/2014/main" id="{329F4987-E498-4262-9559-D09193AD491F}"/>
+                <a16:creationId xmlns:a16="http://schemas.microsoft.com/office/drawing/2014/main" xmlns="" id="{329F4987-E498-4262-9559-D09193AD491F}"/>
               </a:ext>
             </a:extLst>
           </p:cNvPr>
@@ -1299,7 +1309,7 @@
           <p:cNvPr id="3" name="Content Placeholder 2">
             <a:extLst>
               <a:ext uri="{FF2B5EF4-FFF2-40B4-BE49-F238E27FC236}">
-                <a16:creationId xmlns:a16="http://schemas.microsoft.com/office/drawing/2014/main" id="{E812AE04-584A-4F87-BD3F-2056E4357F29}"/>
+                <a16:creationId xmlns:a16="http://schemas.microsoft.com/office/drawing/2014/main" xmlns="" id="{E812AE04-584A-4F87-BD3F-2056E4357F29}"/>
               </a:ext>
             </a:extLst>
           </p:cNvPr>
@@ -1362,7 +1372,7 @@
           <p:cNvPr id="4" name="Content Placeholder 3">
             <a:extLst>
               <a:ext uri="{FF2B5EF4-FFF2-40B4-BE49-F238E27FC236}">
-                <a16:creationId xmlns:a16="http://schemas.microsoft.com/office/drawing/2014/main" id="{D88D97F2-CC13-4DBD-9769-D973C0E932C5}"/>
+                <a16:creationId xmlns:a16="http://schemas.microsoft.com/office/drawing/2014/main" xmlns="" id="{D88D97F2-CC13-4DBD-9769-D973C0E932C5}"/>
               </a:ext>
             </a:extLst>
           </p:cNvPr>
@@ -1425,7 +1435,7 @@
           <p:cNvPr id="5" name="Date Placeholder 4">
             <a:extLst>
               <a:ext uri="{FF2B5EF4-FFF2-40B4-BE49-F238E27FC236}">
-                <a16:creationId xmlns:a16="http://schemas.microsoft.com/office/drawing/2014/main" id="{AF545AF0-178D-49FD-8D2A-89C0433B65B0}"/>
+                <a16:creationId xmlns:a16="http://schemas.microsoft.com/office/drawing/2014/main" xmlns="" id="{AF545AF0-178D-49FD-8D2A-89C0433B65B0}"/>
               </a:ext>
             </a:extLst>
           </p:cNvPr>
@@ -1443,6 +1453,7 @@
           <a:p>
             <a:fld id="{B3B48485-EDEB-4E5A-BB3A-BC2391E627B4}" type="datetimeFigureOut">
               <a:rPr lang="en-IN" smtClean="0"/>
+              <a:pPr/>
               <a:t>20-01-2020</a:t>
             </a:fld>
             <a:endParaRPr lang="en-IN"/>
@@ -1454,7 +1465,7 @@
           <p:cNvPr id="6" name="Footer Placeholder 5">
             <a:extLst>
               <a:ext uri="{FF2B5EF4-FFF2-40B4-BE49-F238E27FC236}">
-                <a16:creationId xmlns:a16="http://schemas.microsoft.com/office/drawing/2014/main" id="{745483B5-7D5A-45B3-A598-596291955F94}"/>
+                <a16:creationId xmlns:a16="http://schemas.microsoft.com/office/drawing/2014/main" xmlns="" id="{745483B5-7D5A-45B3-A598-596291955F94}"/>
               </a:ext>
             </a:extLst>
           </p:cNvPr>
@@ -1479,7 +1490,7 @@
           <p:cNvPr id="7" name="Slide Number Placeholder 6">
             <a:extLst>
               <a:ext uri="{FF2B5EF4-FFF2-40B4-BE49-F238E27FC236}">
-                <a16:creationId xmlns:a16="http://schemas.microsoft.com/office/drawing/2014/main" id="{2F9FF5C5-AD43-44E6-80BD-C04A8C6B7CB2}"/>
+                <a16:creationId xmlns:a16="http://schemas.microsoft.com/office/drawing/2014/main" xmlns="" id="{2F9FF5C5-AD43-44E6-80BD-C04A8C6B7CB2}"/>
               </a:ext>
             </a:extLst>
           </p:cNvPr>
@@ -1497,6 +1508,7 @@
           <a:p>
             <a:fld id="{87F472DF-D0EC-471E-A40A-5BA795EB6BF8}" type="slidenum">
               <a:rPr lang="en-IN" smtClean="0"/>
+              <a:pPr/>
               <a:t>‹#›</a:t>
             </a:fld>
             <a:endParaRPr lang="en-IN"/>
@@ -1506,7 +1518,7 @@
     </p:spTree>
     <p:extLst>
       <p:ext uri="{BB962C8B-B14F-4D97-AF65-F5344CB8AC3E}">
-        <p14:creationId xmlns:p14="http://schemas.microsoft.com/office/powerpoint/2010/main" val="1701887551"/>
+        <p14:creationId xmlns:p14="http://schemas.microsoft.com/office/powerpoint/2010/main" xmlns="" val="1701887551"/>
       </p:ext>
     </p:extLst>
   </p:cSld>
@@ -1538,7 +1550,7 @@
           <p:cNvPr id="2" name="Title 1">
             <a:extLst>
               <a:ext uri="{FF2B5EF4-FFF2-40B4-BE49-F238E27FC236}">
-                <a16:creationId xmlns:a16="http://schemas.microsoft.com/office/drawing/2014/main" id="{77715758-23C2-4D79-9E83-D4C691645309}"/>
+                <a16:creationId xmlns:a16="http://schemas.microsoft.com/office/drawing/2014/main" xmlns="" id="{77715758-23C2-4D79-9E83-D4C691645309}"/>
               </a:ext>
             </a:extLst>
           </p:cNvPr>
@@ -1572,7 +1584,7 @@
           <p:cNvPr id="3" name="Text Placeholder 2">
             <a:extLst>
               <a:ext uri="{FF2B5EF4-FFF2-40B4-BE49-F238E27FC236}">
-                <a16:creationId xmlns:a16="http://schemas.microsoft.com/office/drawing/2014/main" id="{C56DBBC0-5F55-4BDB-97E8-9092F9D54613}"/>
+                <a16:creationId xmlns:a16="http://schemas.microsoft.com/office/drawing/2014/main" xmlns="" id="{C56DBBC0-5F55-4BDB-97E8-9092F9D54613}"/>
               </a:ext>
             </a:extLst>
           </p:cNvPr>
@@ -1643,7 +1655,7 @@
           <p:cNvPr id="4" name="Content Placeholder 3">
             <a:extLst>
               <a:ext uri="{FF2B5EF4-FFF2-40B4-BE49-F238E27FC236}">
-                <a16:creationId xmlns:a16="http://schemas.microsoft.com/office/drawing/2014/main" id="{56BBC9E7-1AD9-47BC-A0F5-3419A89AFAF6}"/>
+                <a16:creationId xmlns:a16="http://schemas.microsoft.com/office/drawing/2014/main" xmlns="" id="{56BBC9E7-1AD9-47BC-A0F5-3419A89AFAF6}"/>
               </a:ext>
             </a:extLst>
           </p:cNvPr>
@@ -1706,7 +1718,7 @@
           <p:cNvPr id="5" name="Text Placeholder 4">
             <a:extLst>
               <a:ext uri="{FF2B5EF4-FFF2-40B4-BE49-F238E27FC236}">
-                <a16:creationId xmlns:a16="http://schemas.microsoft.com/office/drawing/2014/main" id="{644AA541-9D84-43E6-93AC-26ACD49AB872}"/>
+                <a16:creationId xmlns:a16="http://schemas.microsoft.com/office/drawing/2014/main" xmlns="" id="{644AA541-9D84-43E6-93AC-26ACD49AB872}"/>
               </a:ext>
             </a:extLst>
           </p:cNvPr>
@@ -1777,7 +1789,7 @@
           <p:cNvPr id="6" name="Content Placeholder 5">
             <a:extLst>
               <a:ext uri="{FF2B5EF4-FFF2-40B4-BE49-F238E27FC236}">
-                <a16:creationId xmlns:a16="http://schemas.microsoft.com/office/drawing/2014/main" id="{A3CA9F41-1D69-40B0-BB52-67C7B312F329}"/>
+                <a16:creationId xmlns:a16="http://schemas.microsoft.com/office/drawing/2014/main" xmlns="" id="{A3CA9F41-1D69-40B0-BB52-67C7B312F329}"/>
               </a:ext>
             </a:extLst>
           </p:cNvPr>
@@ -1840,7 +1852,7 @@
           <p:cNvPr id="7" name="Date Placeholder 6">
             <a:extLst>
               <a:ext uri="{FF2B5EF4-FFF2-40B4-BE49-F238E27FC236}">
-                <a16:creationId xmlns:a16="http://schemas.microsoft.com/office/drawing/2014/main" id="{9960EBD2-2B98-43A1-B284-EDEE62651BD0}"/>
+                <a16:creationId xmlns:a16="http://schemas.microsoft.com/office/drawing/2014/main" xmlns="" id="{9960EBD2-2B98-43A1-B284-EDEE62651BD0}"/>
               </a:ext>
             </a:extLst>
           </p:cNvPr>
@@ -1858,6 +1870,7 @@
           <a:p>
             <a:fld id="{B3B48485-EDEB-4E5A-BB3A-BC2391E627B4}" type="datetimeFigureOut">
               <a:rPr lang="en-IN" smtClean="0"/>
+              <a:pPr/>
               <a:t>20-01-2020</a:t>
             </a:fld>
             <a:endParaRPr lang="en-IN"/>
@@ -1869,7 +1882,7 @@
           <p:cNvPr id="8" name="Footer Placeholder 7">
             <a:extLst>
               <a:ext uri="{FF2B5EF4-FFF2-40B4-BE49-F238E27FC236}">
-                <a16:creationId xmlns:a16="http://schemas.microsoft.com/office/drawing/2014/main" id="{5E18D130-C756-42B5-A702-84186DC7B801}"/>
+                <a16:creationId xmlns:a16="http://schemas.microsoft.com/office/drawing/2014/main" xmlns="" id="{5E18D130-C756-42B5-A702-84186DC7B801}"/>
               </a:ext>
             </a:extLst>
           </p:cNvPr>
@@ -1894,7 +1907,7 @@
           <p:cNvPr id="9" name="Slide Number Placeholder 8">
             <a:extLst>
               <a:ext uri="{FF2B5EF4-FFF2-40B4-BE49-F238E27FC236}">
-                <a16:creationId xmlns:a16="http://schemas.microsoft.com/office/drawing/2014/main" id="{FC1C5564-0948-403D-A11A-0363F3B8A9E1}"/>
+                <a16:creationId xmlns:a16="http://schemas.microsoft.com/office/drawing/2014/main" xmlns="" id="{FC1C5564-0948-403D-A11A-0363F3B8A9E1}"/>
               </a:ext>
             </a:extLst>
           </p:cNvPr>
@@ -1912,6 +1925,7 @@
           <a:p>
             <a:fld id="{87F472DF-D0EC-471E-A40A-5BA795EB6BF8}" type="slidenum">
               <a:rPr lang="en-IN" smtClean="0"/>
+              <a:pPr/>
               <a:t>‹#›</a:t>
             </a:fld>
             <a:endParaRPr lang="en-IN"/>
@@ -1921,7 +1935,7 @@
     </p:spTree>
     <p:extLst>
       <p:ext uri="{BB962C8B-B14F-4D97-AF65-F5344CB8AC3E}">
-        <p14:creationId xmlns:p14="http://schemas.microsoft.com/office/powerpoint/2010/main" val="3197723347"/>
+        <p14:creationId xmlns:p14="http://schemas.microsoft.com/office/powerpoint/2010/main" xmlns="" val="3197723347"/>
       </p:ext>
     </p:extLst>
   </p:cSld>
@@ -1953,7 +1967,7 @@
           <p:cNvPr id="2" name="Title 1">
             <a:extLst>
               <a:ext uri="{FF2B5EF4-FFF2-40B4-BE49-F238E27FC236}">
-                <a16:creationId xmlns:a16="http://schemas.microsoft.com/office/drawing/2014/main" id="{B5B07483-06BC-40D1-A55A-6128B568F6EA}"/>
+                <a16:creationId xmlns:a16="http://schemas.microsoft.com/office/drawing/2014/main" xmlns="" id="{B5B07483-06BC-40D1-A55A-6128B568F6EA}"/>
               </a:ext>
             </a:extLst>
           </p:cNvPr>
@@ -1982,7 +1996,7 @@
           <p:cNvPr id="3" name="Date Placeholder 2">
             <a:extLst>
               <a:ext uri="{FF2B5EF4-FFF2-40B4-BE49-F238E27FC236}">
-                <a16:creationId xmlns:a16="http://schemas.microsoft.com/office/drawing/2014/main" id="{BBF2182A-79CE-45F7-8387-6C454837E86A}"/>
+                <a16:creationId xmlns:a16="http://schemas.microsoft.com/office/drawing/2014/main" xmlns="" id="{BBF2182A-79CE-45F7-8387-6C454837E86A}"/>
               </a:ext>
             </a:extLst>
           </p:cNvPr>
@@ -2000,6 +2014,7 @@
           <a:p>
             <a:fld id="{B3B48485-EDEB-4E5A-BB3A-BC2391E627B4}" type="datetimeFigureOut">
               <a:rPr lang="en-IN" smtClean="0"/>
+              <a:pPr/>
               <a:t>20-01-2020</a:t>
             </a:fld>
             <a:endParaRPr lang="en-IN"/>
@@ -2011,7 +2026,7 @@
           <p:cNvPr id="4" name="Footer Placeholder 3">
             <a:extLst>
               <a:ext uri="{FF2B5EF4-FFF2-40B4-BE49-F238E27FC236}">
-                <a16:creationId xmlns:a16="http://schemas.microsoft.com/office/drawing/2014/main" id="{452DB040-5280-425A-B483-26C0059E8C07}"/>
+                <a16:creationId xmlns:a16="http://schemas.microsoft.com/office/drawing/2014/main" xmlns="" id="{452DB040-5280-425A-B483-26C0059E8C07}"/>
               </a:ext>
             </a:extLst>
           </p:cNvPr>
@@ -2036,7 +2051,7 @@
           <p:cNvPr id="5" name="Slide Number Placeholder 4">
             <a:extLst>
               <a:ext uri="{FF2B5EF4-FFF2-40B4-BE49-F238E27FC236}">
-                <a16:creationId xmlns:a16="http://schemas.microsoft.com/office/drawing/2014/main" id="{97BBA076-5D8E-41FA-9AF0-F0AF4DAB7321}"/>
+                <a16:creationId xmlns:a16="http://schemas.microsoft.com/office/drawing/2014/main" xmlns="" id="{97BBA076-5D8E-41FA-9AF0-F0AF4DAB7321}"/>
               </a:ext>
             </a:extLst>
           </p:cNvPr>
@@ -2054,6 +2069,7 @@
           <a:p>
             <a:fld id="{87F472DF-D0EC-471E-A40A-5BA795EB6BF8}" type="slidenum">
               <a:rPr lang="en-IN" smtClean="0"/>
+              <a:pPr/>
               <a:t>‹#›</a:t>
             </a:fld>
             <a:endParaRPr lang="en-IN"/>
@@ -2063,7 +2079,7 @@
     </p:spTree>
     <p:extLst>
       <p:ext uri="{BB962C8B-B14F-4D97-AF65-F5344CB8AC3E}">
-        <p14:creationId xmlns:p14="http://schemas.microsoft.com/office/powerpoint/2010/main" val="183937159"/>
+        <p14:creationId xmlns:p14="http://schemas.microsoft.com/office/powerpoint/2010/main" xmlns="" val="183937159"/>
       </p:ext>
     </p:extLst>
   </p:cSld>
@@ -2095,7 +2111,7 @@
           <p:cNvPr id="2" name="Date Placeholder 1">
             <a:extLst>
               <a:ext uri="{FF2B5EF4-FFF2-40B4-BE49-F238E27FC236}">
-                <a16:creationId xmlns:a16="http://schemas.microsoft.com/office/drawing/2014/main" id="{78D1A081-B71C-4345-89F8-9CC0E8E6C347}"/>
+                <a16:creationId xmlns:a16="http://schemas.microsoft.com/office/drawing/2014/main" xmlns="" id="{78D1A081-B71C-4345-89F8-9CC0E8E6C347}"/>
               </a:ext>
             </a:extLst>
           </p:cNvPr>
@@ -2113,6 +2129,7 @@
           <a:p>
             <a:fld id="{B3B48485-EDEB-4E5A-BB3A-BC2391E627B4}" type="datetimeFigureOut">
               <a:rPr lang="en-IN" smtClean="0"/>
+              <a:pPr/>
               <a:t>20-01-2020</a:t>
             </a:fld>
             <a:endParaRPr lang="en-IN"/>
@@ -2124,7 +2141,7 @@
           <p:cNvPr id="3" name="Footer Placeholder 2">
             <a:extLst>
               <a:ext uri="{FF2B5EF4-FFF2-40B4-BE49-F238E27FC236}">
-                <a16:creationId xmlns:a16="http://schemas.microsoft.com/office/drawing/2014/main" id="{1CF222AE-D850-4966-A9FD-C25F7B3DCF57}"/>
+                <a16:creationId xmlns:a16="http://schemas.microsoft.com/office/drawing/2014/main" xmlns="" id="{1CF222AE-D850-4966-A9FD-C25F7B3DCF57}"/>
               </a:ext>
             </a:extLst>
           </p:cNvPr>
@@ -2149,7 +2166,7 @@
           <p:cNvPr id="4" name="Slide Number Placeholder 3">
             <a:extLst>
               <a:ext uri="{FF2B5EF4-FFF2-40B4-BE49-F238E27FC236}">
-                <a16:creationId xmlns:a16="http://schemas.microsoft.com/office/drawing/2014/main" id="{27DB98C3-564C-496D-8699-90B1B866059B}"/>
+                <a16:creationId xmlns:a16="http://schemas.microsoft.com/office/drawing/2014/main" xmlns="" id="{27DB98C3-564C-496D-8699-90B1B866059B}"/>
               </a:ext>
             </a:extLst>
           </p:cNvPr>
@@ -2167,6 +2184,7 @@
           <a:p>
             <a:fld id="{87F472DF-D0EC-471E-A40A-5BA795EB6BF8}" type="slidenum">
               <a:rPr lang="en-IN" smtClean="0"/>
+              <a:pPr/>
               <a:t>‹#›</a:t>
             </a:fld>
             <a:endParaRPr lang="en-IN"/>
@@ -2176,7 +2194,7 @@
     </p:spTree>
     <p:extLst>
       <p:ext uri="{BB962C8B-B14F-4D97-AF65-F5344CB8AC3E}">
-        <p14:creationId xmlns:p14="http://schemas.microsoft.com/office/powerpoint/2010/main" val="1846971728"/>
+        <p14:creationId xmlns:p14="http://schemas.microsoft.com/office/powerpoint/2010/main" xmlns="" val="1846971728"/>
       </p:ext>
     </p:extLst>
   </p:cSld>
@@ -2208,7 +2226,7 @@
           <p:cNvPr id="2" name="Title 1">
             <a:extLst>
               <a:ext uri="{FF2B5EF4-FFF2-40B4-BE49-F238E27FC236}">
-                <a16:creationId xmlns:a16="http://schemas.microsoft.com/office/drawing/2014/main" id="{C80FC436-126E-4458-A651-DE1D872BE342}"/>
+                <a16:creationId xmlns:a16="http://schemas.microsoft.com/office/drawing/2014/main" xmlns="" id="{C80FC436-126E-4458-A651-DE1D872BE342}"/>
               </a:ext>
             </a:extLst>
           </p:cNvPr>
@@ -2246,7 +2264,7 @@
           <p:cNvPr id="3" name="Content Placeholder 2">
             <a:extLst>
               <a:ext uri="{FF2B5EF4-FFF2-40B4-BE49-F238E27FC236}">
-                <a16:creationId xmlns:a16="http://schemas.microsoft.com/office/drawing/2014/main" id="{3C76E34A-3D2E-41BA-9394-4CA6D9C3B608}"/>
+                <a16:creationId xmlns:a16="http://schemas.microsoft.com/office/drawing/2014/main" xmlns="" id="{3C76E34A-3D2E-41BA-9394-4CA6D9C3B608}"/>
               </a:ext>
             </a:extLst>
           </p:cNvPr>
@@ -2337,7 +2355,7 @@
           <p:cNvPr id="4" name="Text Placeholder 3">
             <a:extLst>
               <a:ext uri="{FF2B5EF4-FFF2-40B4-BE49-F238E27FC236}">
-                <a16:creationId xmlns:a16="http://schemas.microsoft.com/office/drawing/2014/main" id="{02F80B13-0F72-4E99-BEC1-6E0BE3CF1D78}"/>
+                <a16:creationId xmlns:a16="http://schemas.microsoft.com/office/drawing/2014/main" xmlns="" id="{02F80B13-0F72-4E99-BEC1-6E0BE3CF1D78}"/>
               </a:ext>
             </a:extLst>
           </p:cNvPr>
@@ -2408,7 +2426,7 @@
           <p:cNvPr id="5" name="Date Placeholder 4">
             <a:extLst>
               <a:ext uri="{FF2B5EF4-FFF2-40B4-BE49-F238E27FC236}">
-                <a16:creationId xmlns:a16="http://schemas.microsoft.com/office/drawing/2014/main" id="{8CBFC060-5E9C-455B-AE8D-53ED20C9EC35}"/>
+                <a16:creationId xmlns:a16="http://schemas.microsoft.com/office/drawing/2014/main" xmlns="" id="{8CBFC060-5E9C-455B-AE8D-53ED20C9EC35}"/>
               </a:ext>
             </a:extLst>
           </p:cNvPr>
@@ -2426,6 +2444,7 @@
           <a:p>
             <a:fld id="{B3B48485-EDEB-4E5A-BB3A-BC2391E627B4}" type="datetimeFigureOut">
               <a:rPr lang="en-IN" smtClean="0"/>
+              <a:pPr/>
               <a:t>20-01-2020</a:t>
             </a:fld>
             <a:endParaRPr lang="en-IN"/>
@@ -2437,7 +2456,7 @@
           <p:cNvPr id="6" name="Footer Placeholder 5">
             <a:extLst>
               <a:ext uri="{FF2B5EF4-FFF2-40B4-BE49-F238E27FC236}">
-                <a16:creationId xmlns:a16="http://schemas.microsoft.com/office/drawing/2014/main" id="{FF7E7918-BF7D-44F8-8F9F-E373996A4505}"/>
+                <a16:creationId xmlns:a16="http://schemas.microsoft.com/office/drawing/2014/main" xmlns="" id="{FF7E7918-BF7D-44F8-8F9F-E373996A4505}"/>
               </a:ext>
             </a:extLst>
           </p:cNvPr>
@@ -2462,7 +2481,7 @@
           <p:cNvPr id="7" name="Slide Number Placeholder 6">
             <a:extLst>
               <a:ext uri="{FF2B5EF4-FFF2-40B4-BE49-F238E27FC236}">
-                <a16:creationId xmlns:a16="http://schemas.microsoft.com/office/drawing/2014/main" id="{FCC38C50-9B37-4DF1-8F28-F241EAB62B3D}"/>
+                <a16:creationId xmlns:a16="http://schemas.microsoft.com/office/drawing/2014/main" xmlns="" id="{FCC38C50-9B37-4DF1-8F28-F241EAB62B3D}"/>
               </a:ext>
             </a:extLst>
           </p:cNvPr>
@@ -2480,6 +2499,7 @@
           <a:p>
             <a:fld id="{87F472DF-D0EC-471E-A40A-5BA795EB6BF8}" type="slidenum">
               <a:rPr lang="en-IN" smtClean="0"/>
+              <a:pPr/>
               <a:t>‹#›</a:t>
             </a:fld>
             <a:endParaRPr lang="en-IN"/>
@@ -2489,7 +2509,7 @@
     </p:spTree>
     <p:extLst>
       <p:ext uri="{BB962C8B-B14F-4D97-AF65-F5344CB8AC3E}">
-        <p14:creationId xmlns:p14="http://schemas.microsoft.com/office/powerpoint/2010/main" val="1035635986"/>
+        <p14:creationId xmlns:p14="http://schemas.microsoft.com/office/powerpoint/2010/main" xmlns="" val="1035635986"/>
       </p:ext>
     </p:extLst>
   </p:cSld>
@@ -2521,7 +2541,7 @@
           <p:cNvPr id="2" name="Title 1">
             <a:extLst>
               <a:ext uri="{FF2B5EF4-FFF2-40B4-BE49-F238E27FC236}">
-                <a16:creationId xmlns:a16="http://schemas.microsoft.com/office/drawing/2014/main" id="{3C5129F5-AD17-404B-A6EC-2DF9ABF90066}"/>
+                <a16:creationId xmlns:a16="http://schemas.microsoft.com/office/drawing/2014/main" xmlns="" id="{3C5129F5-AD17-404B-A6EC-2DF9ABF90066}"/>
               </a:ext>
             </a:extLst>
           </p:cNvPr>
@@ -2559,7 +2579,7 @@
           <p:cNvPr id="3" name="Picture Placeholder 2">
             <a:extLst>
               <a:ext uri="{FF2B5EF4-FFF2-40B4-BE49-F238E27FC236}">
-                <a16:creationId xmlns:a16="http://schemas.microsoft.com/office/drawing/2014/main" id="{F121CD5B-EAF0-456D-93F4-242DBB7EF67E}"/>
+                <a16:creationId xmlns:a16="http://schemas.microsoft.com/office/drawing/2014/main" xmlns="" id="{F121CD5B-EAF0-456D-93F4-242DBB7EF67E}"/>
               </a:ext>
             </a:extLst>
           </p:cNvPr>
@@ -2626,7 +2646,7 @@
           <p:cNvPr id="4" name="Text Placeholder 3">
             <a:extLst>
               <a:ext uri="{FF2B5EF4-FFF2-40B4-BE49-F238E27FC236}">
-                <a16:creationId xmlns:a16="http://schemas.microsoft.com/office/drawing/2014/main" id="{3F900FED-5D0C-4FB1-A607-68E64A974461}"/>
+                <a16:creationId xmlns:a16="http://schemas.microsoft.com/office/drawing/2014/main" xmlns="" id="{3F900FED-5D0C-4FB1-A607-68E64A974461}"/>
               </a:ext>
             </a:extLst>
           </p:cNvPr>
@@ -2697,7 +2717,7 @@
           <p:cNvPr id="5" name="Date Placeholder 4">
             <a:extLst>
               <a:ext uri="{FF2B5EF4-FFF2-40B4-BE49-F238E27FC236}">
-                <a16:creationId xmlns:a16="http://schemas.microsoft.com/office/drawing/2014/main" id="{2D96042A-E778-40B6-87F9-2CB8B95905A1}"/>
+                <a16:creationId xmlns:a16="http://schemas.microsoft.com/office/drawing/2014/main" xmlns="" id="{2D96042A-E778-40B6-87F9-2CB8B95905A1}"/>
               </a:ext>
             </a:extLst>
           </p:cNvPr>
@@ -2715,6 +2735,7 @@
           <a:p>
             <a:fld id="{B3B48485-EDEB-4E5A-BB3A-BC2391E627B4}" type="datetimeFigureOut">
               <a:rPr lang="en-IN" smtClean="0"/>
+              <a:pPr/>
               <a:t>20-01-2020</a:t>
             </a:fld>
             <a:endParaRPr lang="en-IN"/>
@@ -2726,7 +2747,7 @@
           <p:cNvPr id="6" name="Footer Placeholder 5">
             <a:extLst>
               <a:ext uri="{FF2B5EF4-FFF2-40B4-BE49-F238E27FC236}">
-                <a16:creationId xmlns:a16="http://schemas.microsoft.com/office/drawing/2014/main" id="{19787971-2E19-4C5D-94F0-E4CEF7D1673A}"/>
+                <a16:creationId xmlns:a16="http://schemas.microsoft.com/office/drawing/2014/main" xmlns="" id="{19787971-2E19-4C5D-94F0-E4CEF7D1673A}"/>
               </a:ext>
             </a:extLst>
           </p:cNvPr>
@@ -2751,7 +2772,7 @@
           <p:cNvPr id="7" name="Slide Number Placeholder 6">
             <a:extLst>
               <a:ext uri="{FF2B5EF4-FFF2-40B4-BE49-F238E27FC236}">
-                <a16:creationId xmlns:a16="http://schemas.microsoft.com/office/drawing/2014/main" id="{D8E4E3BF-D202-4868-BA7C-52B27F1BF127}"/>
+                <a16:creationId xmlns:a16="http://schemas.microsoft.com/office/drawing/2014/main" xmlns="" id="{D8E4E3BF-D202-4868-BA7C-52B27F1BF127}"/>
               </a:ext>
             </a:extLst>
           </p:cNvPr>
@@ -2769,6 +2790,7 @@
           <a:p>
             <a:fld id="{87F472DF-D0EC-471E-A40A-5BA795EB6BF8}" type="slidenum">
               <a:rPr lang="en-IN" smtClean="0"/>
+              <a:pPr/>
               <a:t>‹#›</a:t>
             </a:fld>
             <a:endParaRPr lang="en-IN"/>
@@ -2778,7 +2800,7 @@
     </p:spTree>
     <p:extLst>
       <p:ext uri="{BB962C8B-B14F-4D97-AF65-F5344CB8AC3E}">
-        <p14:creationId xmlns:p14="http://schemas.microsoft.com/office/powerpoint/2010/main" val="755423314"/>
+        <p14:creationId xmlns:p14="http://schemas.microsoft.com/office/powerpoint/2010/main" xmlns="" val="755423314"/>
       </p:ext>
     </p:extLst>
   </p:cSld>
@@ -2815,7 +2837,7 @@
           <p:cNvPr id="2" name="Title Placeholder 1">
             <a:extLst>
               <a:ext uri="{FF2B5EF4-FFF2-40B4-BE49-F238E27FC236}">
-                <a16:creationId xmlns:a16="http://schemas.microsoft.com/office/drawing/2014/main" id="{3339DD86-E235-4F02-B9D6-DB6200F293BC}"/>
+                <a16:creationId xmlns:a16="http://schemas.microsoft.com/office/drawing/2014/main" xmlns="" id="{3339DD86-E235-4F02-B9D6-DB6200F293BC}"/>
               </a:ext>
             </a:extLst>
           </p:cNvPr>
@@ -2854,7 +2876,7 @@
           <p:cNvPr id="3" name="Text Placeholder 2">
             <a:extLst>
               <a:ext uri="{FF2B5EF4-FFF2-40B4-BE49-F238E27FC236}">
-                <a16:creationId xmlns:a16="http://schemas.microsoft.com/office/drawing/2014/main" id="{40EC0324-19E9-4A3B-B2A2-C3D9331B6CD8}"/>
+                <a16:creationId xmlns:a16="http://schemas.microsoft.com/office/drawing/2014/main" xmlns="" id="{40EC0324-19E9-4A3B-B2A2-C3D9331B6CD8}"/>
               </a:ext>
             </a:extLst>
           </p:cNvPr>
@@ -2922,7 +2944,7 @@
           <p:cNvPr id="4" name="Date Placeholder 3">
             <a:extLst>
               <a:ext uri="{FF2B5EF4-FFF2-40B4-BE49-F238E27FC236}">
-                <a16:creationId xmlns:a16="http://schemas.microsoft.com/office/drawing/2014/main" id="{C70B1F1D-995C-4D9C-8447-9CCEBBE00A01}"/>
+                <a16:creationId xmlns:a16="http://schemas.microsoft.com/office/drawing/2014/main" xmlns="" id="{C70B1F1D-995C-4D9C-8447-9CCEBBE00A01}"/>
               </a:ext>
             </a:extLst>
           </p:cNvPr>
@@ -2958,6 +2980,7 @@
           <a:p>
             <a:fld id="{B3B48485-EDEB-4E5A-BB3A-BC2391E627B4}" type="datetimeFigureOut">
               <a:rPr lang="en-IN" smtClean="0"/>
+              <a:pPr/>
               <a:t>20-01-2020</a:t>
             </a:fld>
             <a:endParaRPr lang="en-IN"/>
@@ -2969,7 +2992,7 @@
           <p:cNvPr id="5" name="Footer Placeholder 4">
             <a:extLst>
               <a:ext uri="{FF2B5EF4-FFF2-40B4-BE49-F238E27FC236}">
-                <a16:creationId xmlns:a16="http://schemas.microsoft.com/office/drawing/2014/main" id="{2BEAA717-D969-4E51-B1F1-1BE930E179AC}"/>
+                <a16:creationId xmlns:a16="http://schemas.microsoft.com/office/drawing/2014/main" xmlns="" id="{2BEAA717-D969-4E51-B1F1-1BE930E179AC}"/>
               </a:ext>
             </a:extLst>
           </p:cNvPr>
@@ -3012,7 +3035,7 @@
           <p:cNvPr id="6" name="Slide Number Placeholder 5">
             <a:extLst>
               <a:ext uri="{FF2B5EF4-FFF2-40B4-BE49-F238E27FC236}">
-                <a16:creationId xmlns:a16="http://schemas.microsoft.com/office/drawing/2014/main" id="{DA269EE7-3E26-4A0E-9B5A-FE84B4D0EBE8}"/>
+                <a16:creationId xmlns:a16="http://schemas.microsoft.com/office/drawing/2014/main" xmlns="" id="{DA269EE7-3E26-4A0E-9B5A-FE84B4D0EBE8}"/>
               </a:ext>
             </a:extLst>
           </p:cNvPr>
@@ -3048,6 +3071,7 @@
           <a:p>
             <a:fld id="{87F472DF-D0EC-471E-A40A-5BA795EB6BF8}" type="slidenum">
               <a:rPr lang="en-IN" smtClean="0"/>
+              <a:pPr/>
               <a:t>‹#›</a:t>
             </a:fld>
             <a:endParaRPr lang="en-IN"/>
@@ -3057,7 +3081,7 @@
     </p:spTree>
     <p:extLst>
       <p:ext uri="{BB962C8B-B14F-4D97-AF65-F5344CB8AC3E}">
-        <p14:creationId xmlns:p14="http://schemas.microsoft.com/office/powerpoint/2010/main" val="1856240452"/>
+        <p14:creationId xmlns:p14="http://schemas.microsoft.com/office/powerpoint/2010/main" xmlns="" val="1856240452"/>
       </p:ext>
     </p:extLst>
   </p:cSld>
@@ -3380,7 +3404,7 @@
           <p:cNvPr id="2" name="Title 1">
             <a:extLst>
               <a:ext uri="{FF2B5EF4-FFF2-40B4-BE49-F238E27FC236}">
-                <a16:creationId xmlns:a16="http://schemas.microsoft.com/office/drawing/2014/main" id="{9C67D267-3931-42EE-8A02-E5E64C3D8236}"/>
+                <a16:creationId xmlns:a16="http://schemas.microsoft.com/office/drawing/2014/main" xmlns="" id="{9C67D267-3931-42EE-8A02-E5E64C3D8236}"/>
               </a:ext>
             </a:extLst>
           </p:cNvPr>
@@ -3391,7 +3415,12 @@
             <p:ph type="ctrTitle"/>
           </p:nvPr>
         </p:nvSpPr>
-        <p:spPr/>
+        <p:spPr>
+          <a:xfrm>
+            <a:off x="1524000" y="1122363"/>
+            <a:ext cx="9144000" cy="1554576"/>
+          </a:xfrm>
+        </p:spPr>
         <p:txBody>
           <a:bodyPr/>
           <a:lstStyle/>
@@ -3408,7 +3437,7 @@
           <p:cNvPr id="3" name="Subtitle 2">
             <a:extLst>
               <a:ext uri="{FF2B5EF4-FFF2-40B4-BE49-F238E27FC236}">
-                <a16:creationId xmlns:a16="http://schemas.microsoft.com/office/drawing/2014/main" id="{4959FEE3-B41D-441A-ADEC-C99C8C971605}"/>
+                <a16:creationId xmlns:a16="http://schemas.microsoft.com/office/drawing/2014/main" xmlns="" id="{4959FEE3-B41D-441A-ADEC-C99C8C971605}"/>
               </a:ext>
             </a:extLst>
           </p:cNvPr>
@@ -3419,7 +3448,12 @@
             <p:ph type="subTitle" idx="1"/>
           </p:nvPr>
         </p:nvSpPr>
-        <p:spPr/>
+        <p:spPr>
+          <a:xfrm>
+            <a:off x="1550504" y="3018942"/>
+            <a:ext cx="9144000" cy="1655762"/>
+          </a:xfrm>
+        </p:spPr>
         <p:txBody>
           <a:bodyPr/>
           <a:lstStyle/>
@@ -3449,7 +3483,7 @@
     </p:spTree>
     <p:extLst>
       <p:ext uri="{BB962C8B-B14F-4D97-AF65-F5344CB8AC3E}">
-        <p14:creationId xmlns:p14="http://schemas.microsoft.com/office/powerpoint/2010/main" val="332391021"/>
+        <p14:creationId xmlns:p14="http://schemas.microsoft.com/office/powerpoint/2010/main" xmlns="" val="332391021"/>
       </p:ext>
     </p:extLst>
   </p:cSld>
@@ -3481,7 +3515,7 @@
           <p:cNvPr id="2" name="Title 1">
             <a:extLst>
               <a:ext uri="{FF2B5EF4-FFF2-40B4-BE49-F238E27FC236}">
-                <a16:creationId xmlns:a16="http://schemas.microsoft.com/office/drawing/2014/main" id="{E1A9363A-F999-4F1C-A157-8DDECEB7BD31}"/>
+                <a16:creationId xmlns:a16="http://schemas.microsoft.com/office/drawing/2014/main" xmlns="" id="{E1A9363A-F999-4F1C-A157-8DDECEB7BD31}"/>
               </a:ext>
             </a:extLst>
           </p:cNvPr>
@@ -3513,7 +3547,7 @@
           <p:cNvPr id="4" name="Content Placeholder 3">
             <a:extLst>
               <a:ext uri="{FF2B5EF4-FFF2-40B4-BE49-F238E27FC236}">
-                <a16:creationId xmlns:a16="http://schemas.microsoft.com/office/drawing/2014/main" id="{387D742D-38A5-44D3-8940-C29BC333E4DE}"/>
+                <a16:creationId xmlns:a16="http://schemas.microsoft.com/office/drawing/2014/main" xmlns="" id="{387D742D-38A5-44D3-8940-C29BC333E4DE}"/>
               </a:ext>
             </a:extLst>
           </p:cNvPr>
@@ -3524,13 +3558,19 @@
             <p:ph idx="1"/>
           </p:nvPr>
         </p:nvSpPr>
-        <p:spPr/>
+        <p:spPr>
+          <a:xfrm>
+            <a:off x="838200" y="1573832"/>
+            <a:ext cx="10515600" cy="5284168"/>
+          </a:xfrm>
+        </p:spPr>
         <p:txBody>
           <a:bodyPr>
             <a:noAutofit/>
           </a:bodyPr>
           <a:lstStyle/>
           <a:p>
+            <a:pPr algn="just"/>
             <a:r>
               <a:rPr lang="en-US" dirty="0"/>
               <a:t>The </a:t>
@@ -3553,6 +3593,7 @@
             </a:r>
           </a:p>
           <a:p>
+            <a:pPr algn="just"/>
             <a:r>
               <a:rPr lang="en-US" dirty="0"/>
               <a:t>There are two methods defined in the </a:t>
@@ -3567,6 +3608,7 @@
             </a:r>
           </a:p>
           <a:p>
+            <a:pPr algn="just"/>
             <a:r>
               <a:rPr lang="en-US" b="1" dirty="0"/>
               <a:t>public void forward(</a:t>
@@ -3601,6 +3643,7 @@
             </a:r>
           </a:p>
           <a:p>
+            <a:pPr algn="just"/>
             <a:r>
               <a:rPr lang="en-US" b="1" dirty="0"/>
               <a:t>public void include(</a:t>
@@ -3635,7 +3678,7 @@
             </a:r>
           </a:p>
           <a:p>
-            <a:pPr marL="457200" lvl="1" indent="0">
+            <a:pPr marL="457200" lvl="1" indent="0" algn="just">
               <a:buNone/>
             </a:pPr>
             <a:endParaRPr lang="en-IN" sz="1400" b="1" dirty="0">
@@ -3644,6 +3687,7 @@
             </a:endParaRPr>
           </a:p>
           <a:p>
+            <a:pPr algn="just"/>
             <a:endParaRPr lang="en-IN" sz="1400" dirty="0">
               <a:latin typeface="Arial" panose="020B0604020202020204" pitchFamily="34" charset="0"/>
               <a:cs typeface="Arial" panose="020B0604020202020204" pitchFamily="34" charset="0"/>
@@ -3654,7 +3698,7 @@
     </p:spTree>
     <p:extLst>
       <p:ext uri="{BB962C8B-B14F-4D97-AF65-F5344CB8AC3E}">
-        <p14:creationId xmlns:p14="http://schemas.microsoft.com/office/powerpoint/2010/main" val="1570858244"/>
+        <p14:creationId xmlns:p14="http://schemas.microsoft.com/office/powerpoint/2010/main" xmlns="" val="1570858244"/>
       </p:ext>
     </p:extLst>
   </p:cSld>
@@ -3686,7 +3730,7 @@
           <p:cNvPr id="2" name="Title 1">
             <a:extLst>
               <a:ext uri="{FF2B5EF4-FFF2-40B4-BE49-F238E27FC236}">
-                <a16:creationId xmlns:a16="http://schemas.microsoft.com/office/drawing/2014/main" id="{E1A9363A-F999-4F1C-A157-8DDECEB7BD31}"/>
+                <a16:creationId xmlns:a16="http://schemas.microsoft.com/office/drawing/2014/main" xmlns="" id="{E1A9363A-F999-4F1C-A157-8DDECEB7BD31}"/>
               </a:ext>
             </a:extLst>
           </p:cNvPr>
@@ -3718,7 +3762,7 @@
           <p:cNvPr id="4" name="Content Placeholder 3">
             <a:extLst>
               <a:ext uri="{FF2B5EF4-FFF2-40B4-BE49-F238E27FC236}">
-                <a16:creationId xmlns:a16="http://schemas.microsoft.com/office/drawing/2014/main" id="{387D742D-38A5-44D3-8940-C29BC333E4DE}"/>
+                <a16:creationId xmlns:a16="http://schemas.microsoft.com/office/drawing/2014/main" xmlns="" id="{387D742D-38A5-44D3-8940-C29BC333E4DE}"/>
               </a:ext>
             </a:extLst>
           </p:cNvPr>
@@ -3736,10 +3780,7 @@
           </a:bodyPr>
           <a:lstStyle/>
           <a:p>
-            <a:r>
-              <a:rPr lang="en-US" dirty="0"/>
-              <a:t>.</a:t>
-            </a:r>
+            <a:endParaRPr lang="en-US" dirty="0"/>
           </a:p>
           <a:p>
             <a:pPr marL="457200" lvl="1" indent="0">
@@ -3763,7 +3804,7 @@
           <p:cNvPr id="2050" name="Picture 2" descr="forward() method of RequestDispatcher interface">
             <a:extLst>
               <a:ext uri="{FF2B5EF4-FFF2-40B4-BE49-F238E27FC236}">
-                <a16:creationId xmlns:a16="http://schemas.microsoft.com/office/drawing/2014/main" id="{3E5D2861-EFFC-4090-AEC0-C2D2585FFE70}"/>
+                <a16:creationId xmlns:a16="http://schemas.microsoft.com/office/drawing/2014/main" xmlns="" id="{3E5D2861-EFFC-4090-AEC0-C2D2585FFE70}"/>
               </a:ext>
             </a:extLst>
           </p:cNvPr>
@@ -3776,7 +3817,7 @@
           <a:blip r:embed="rId2">
             <a:extLst>
               <a:ext uri="{28A0092B-C50C-407E-A947-70E740481C1C}">
-                <a14:useLocalDpi xmlns:a14="http://schemas.microsoft.com/office/drawing/2010/main" val="0"/>
+                <a14:useLocalDpi xmlns:a14="http://schemas.microsoft.com/office/drawing/2010/main" xmlns="" val="0"/>
               </a:ext>
             </a:extLst>
           </a:blip>
@@ -3796,7 +3837,7 @@
           <a:noFill/>
           <a:extLst>
             <a:ext uri="{909E8E84-426E-40DD-AFC4-6F175D3DCCD1}">
-              <a14:hiddenFill xmlns:a14="http://schemas.microsoft.com/office/drawing/2010/main">
+              <a14:hiddenFill xmlns:a14="http://schemas.microsoft.com/office/drawing/2010/main" xmlns="">
                 <a:solidFill>
                   <a:srgbClr val="FFFFFF"/>
                 </a:solidFill>
@@ -3808,7 +3849,7 @@
     </p:spTree>
     <p:extLst>
       <p:ext uri="{BB962C8B-B14F-4D97-AF65-F5344CB8AC3E}">
-        <p14:creationId xmlns:p14="http://schemas.microsoft.com/office/powerpoint/2010/main" val="2411330801"/>
+        <p14:creationId xmlns:p14="http://schemas.microsoft.com/office/powerpoint/2010/main" xmlns="" val="2411330801"/>
       </p:ext>
     </p:extLst>
   </p:cSld>
@@ -3840,7 +3881,7 @@
           <p:cNvPr id="2" name="Title 1">
             <a:extLst>
               <a:ext uri="{FF2B5EF4-FFF2-40B4-BE49-F238E27FC236}">
-                <a16:creationId xmlns:a16="http://schemas.microsoft.com/office/drawing/2014/main" id="{E1A9363A-F999-4F1C-A157-8DDECEB7BD31}"/>
+                <a16:creationId xmlns:a16="http://schemas.microsoft.com/office/drawing/2014/main" xmlns="" id="{E1A9363A-F999-4F1C-A157-8DDECEB7BD31}"/>
               </a:ext>
             </a:extLst>
           </p:cNvPr>
@@ -3872,7 +3913,7 @@
           <p:cNvPr id="4" name="Content Placeholder 3">
             <a:extLst>
               <a:ext uri="{FF2B5EF4-FFF2-40B4-BE49-F238E27FC236}">
-                <a16:creationId xmlns:a16="http://schemas.microsoft.com/office/drawing/2014/main" id="{387D742D-38A5-44D3-8940-C29BC333E4DE}"/>
+                <a16:creationId xmlns:a16="http://schemas.microsoft.com/office/drawing/2014/main" xmlns="" id="{387D742D-38A5-44D3-8940-C29BC333E4DE}"/>
               </a:ext>
             </a:extLst>
           </p:cNvPr>
@@ -3890,10 +3931,7 @@
           </a:bodyPr>
           <a:lstStyle/>
           <a:p>
-            <a:r>
-              <a:rPr lang="en-US" dirty="0"/>
-              <a:t>.</a:t>
-            </a:r>
+            <a:endParaRPr lang="en-US" dirty="0"/>
           </a:p>
           <a:p>
             <a:pPr marL="457200" lvl="1" indent="0">
@@ -3917,7 +3955,7 @@
           <p:cNvPr id="5122" name="Picture 2" descr="include() method of RequestDispatcher interface">
             <a:extLst>
               <a:ext uri="{FF2B5EF4-FFF2-40B4-BE49-F238E27FC236}">
-                <a16:creationId xmlns:a16="http://schemas.microsoft.com/office/drawing/2014/main" id="{F2EE767E-BC54-4489-A2E6-F736D609DC3E}"/>
+                <a16:creationId xmlns:a16="http://schemas.microsoft.com/office/drawing/2014/main" xmlns="" id="{F2EE767E-BC54-4489-A2E6-F736D609DC3E}"/>
               </a:ext>
             </a:extLst>
           </p:cNvPr>
@@ -3930,7 +3968,7 @@
           <a:blip r:embed="rId2">
             <a:extLst>
               <a:ext uri="{28A0092B-C50C-407E-A947-70E740481C1C}">
-                <a14:useLocalDpi xmlns:a14="http://schemas.microsoft.com/office/drawing/2010/main" val="0"/>
+                <a14:useLocalDpi xmlns:a14="http://schemas.microsoft.com/office/drawing/2010/main" xmlns="" val="0"/>
               </a:ext>
             </a:extLst>
           </a:blip>
@@ -3950,7 +3988,7 @@
           <a:noFill/>
           <a:extLst>
             <a:ext uri="{909E8E84-426E-40DD-AFC4-6F175D3DCCD1}">
-              <a14:hiddenFill xmlns:a14="http://schemas.microsoft.com/office/drawing/2010/main">
+              <a14:hiddenFill xmlns:a14="http://schemas.microsoft.com/office/drawing/2010/main" xmlns="">
                 <a:solidFill>
                   <a:srgbClr val="FFFFFF"/>
                 </a:solidFill>
@@ -3962,7 +4000,7 @@
     </p:spTree>
     <p:extLst>
       <p:ext uri="{BB962C8B-B14F-4D97-AF65-F5344CB8AC3E}">
-        <p14:creationId xmlns:p14="http://schemas.microsoft.com/office/powerpoint/2010/main" val="1070600350"/>
+        <p14:creationId xmlns:p14="http://schemas.microsoft.com/office/powerpoint/2010/main" xmlns="" val="1070600350"/>
       </p:ext>
     </p:extLst>
   </p:cSld>
@@ -3994,7 +4032,7 @@
           <p:cNvPr id="2" name="Title 1">
             <a:extLst>
               <a:ext uri="{FF2B5EF4-FFF2-40B4-BE49-F238E27FC236}">
-                <a16:creationId xmlns:a16="http://schemas.microsoft.com/office/drawing/2014/main" id="{E1A9363A-F999-4F1C-A157-8DDECEB7BD31}"/>
+                <a16:creationId xmlns:a16="http://schemas.microsoft.com/office/drawing/2014/main" xmlns="" id="{E1A9363A-F999-4F1C-A157-8DDECEB7BD31}"/>
               </a:ext>
             </a:extLst>
           </p:cNvPr>
@@ -4022,7 +4060,7 @@
           <p:cNvPr id="4" name="Content Placeholder 3">
             <a:extLst>
               <a:ext uri="{FF2B5EF4-FFF2-40B4-BE49-F238E27FC236}">
-                <a16:creationId xmlns:a16="http://schemas.microsoft.com/office/drawing/2014/main" id="{387D742D-38A5-44D3-8940-C29BC333E4DE}"/>
+                <a16:creationId xmlns:a16="http://schemas.microsoft.com/office/drawing/2014/main" xmlns="" id="{387D742D-38A5-44D3-8940-C29BC333E4DE}"/>
               </a:ext>
             </a:extLst>
           </p:cNvPr>
@@ -4040,13 +4078,10 @@
           </a:bodyPr>
           <a:lstStyle/>
           <a:p>
-            <a:r>
-              <a:rPr lang="en-US" dirty="0"/>
-              <a:t>.</a:t>
-            </a:r>
-            <a:r>
-              <a:rPr lang="en-US" b="1" dirty="0"/>
-              <a:t> Session</a:t>
+            <a:pPr algn="just"/>
+            <a:r>
+              <a:rPr lang="en-US" b="1" dirty="0" smtClean="0"/>
+              <a:t>Session</a:t>
             </a:r>
             <a:r>
               <a:rPr lang="en-US" dirty="0"/>
@@ -4054,6 +4089,7 @@
             </a:r>
           </a:p>
           <a:p>
+            <a:pPr algn="just"/>
             <a:r>
               <a:rPr lang="en-US" b="1" dirty="0"/>
               <a:t>Session Tracking</a:t>
@@ -4072,16 +4108,18 @@
             </a:r>
           </a:p>
           <a:p>
+            <a:pPr algn="just"/>
             <a:r>
               <a:rPr lang="en-US" dirty="0"/>
               <a:t>Http protocol is a stateless so we need to maintain state using session tracking techniques. Each time user requests to the server, server treats the request as the new request. So we need to maintain the state of an user to recognize to particular user.</a:t>
             </a:r>
           </a:p>
           <a:p>
+            <a:pPr algn="just"/>
             <a:endParaRPr lang="en-US" dirty="0"/>
           </a:p>
           <a:p>
-            <a:pPr marL="457200" lvl="1" indent="0">
+            <a:pPr marL="457200" lvl="1" indent="0" algn="just">
               <a:buNone/>
             </a:pPr>
             <a:endParaRPr lang="en-IN" sz="1400" b="1" dirty="0">
@@ -4090,6 +4128,7 @@
             </a:endParaRPr>
           </a:p>
           <a:p>
+            <a:pPr algn="just"/>
             <a:endParaRPr lang="en-IN" sz="1400" dirty="0">
               <a:latin typeface="Arial" panose="020B0604020202020204" pitchFamily="34" charset="0"/>
               <a:cs typeface="Arial" panose="020B0604020202020204" pitchFamily="34" charset="0"/>
@@ -4100,7 +4139,7 @@
     </p:spTree>
     <p:extLst>
       <p:ext uri="{BB962C8B-B14F-4D97-AF65-F5344CB8AC3E}">
-        <p14:creationId xmlns:p14="http://schemas.microsoft.com/office/powerpoint/2010/main" val="1971177955"/>
+        <p14:creationId xmlns:p14="http://schemas.microsoft.com/office/powerpoint/2010/main" xmlns="" val="1971177955"/>
       </p:ext>
     </p:extLst>
   </p:cSld>
@@ -4132,7 +4171,7 @@
           <p:cNvPr id="2" name="Title 1">
             <a:extLst>
               <a:ext uri="{FF2B5EF4-FFF2-40B4-BE49-F238E27FC236}">
-                <a16:creationId xmlns:a16="http://schemas.microsoft.com/office/drawing/2014/main" id="{E1A9363A-F999-4F1C-A157-8DDECEB7BD31}"/>
+                <a16:creationId xmlns:a16="http://schemas.microsoft.com/office/drawing/2014/main" xmlns="" id="{E1A9363A-F999-4F1C-A157-8DDECEB7BD31}"/>
               </a:ext>
             </a:extLst>
           </p:cNvPr>
@@ -4149,7 +4188,7 @@
           <a:lstStyle/>
           <a:p>
             <a:r>
-              <a:rPr lang="en-US" dirty="0"/>
+              <a:rPr lang="en-US" b="1" dirty="0"/>
               <a:t>Session Tracking</a:t>
             </a:r>
           </a:p>
@@ -4160,7 +4199,7 @@
           <p:cNvPr id="4" name="Content Placeholder 3">
             <a:extLst>
               <a:ext uri="{FF2B5EF4-FFF2-40B4-BE49-F238E27FC236}">
-                <a16:creationId xmlns:a16="http://schemas.microsoft.com/office/drawing/2014/main" id="{387D742D-38A5-44D3-8940-C29BC333E4DE}"/>
+                <a16:creationId xmlns:a16="http://schemas.microsoft.com/office/drawing/2014/main" xmlns="" id="{387D742D-38A5-44D3-8940-C29BC333E4DE}"/>
               </a:ext>
             </a:extLst>
           </p:cNvPr>
@@ -4178,18 +4217,21 @@
           </a:bodyPr>
           <a:lstStyle/>
           <a:p>
+            <a:pPr algn="just"/>
             <a:r>
               <a:rPr lang="en-US" dirty="0"/>
               <a:t>Session Tracking Techniques</a:t>
             </a:r>
           </a:p>
           <a:p>
+            <a:pPr algn="just"/>
             <a:r>
               <a:rPr lang="en-US" dirty="0"/>
               <a:t>There are four techniques used in Session tracking:</a:t>
             </a:r>
           </a:p>
           <a:p>
+            <a:pPr algn="just"/>
             <a:r>
               <a:rPr lang="en-US" b="1" dirty="0"/>
               <a:t>Cookies</a:t>
@@ -4197,6 +4239,7 @@
             <a:endParaRPr lang="en-US" dirty="0"/>
           </a:p>
           <a:p>
+            <a:pPr algn="just"/>
             <a:r>
               <a:rPr lang="en-US" b="1" dirty="0"/>
               <a:t>Hidden Form Field</a:t>
@@ -4204,6 +4247,7 @@
             <a:endParaRPr lang="en-US" dirty="0"/>
           </a:p>
           <a:p>
+            <a:pPr algn="just"/>
             <a:r>
               <a:rPr lang="en-US" b="1" dirty="0"/>
               <a:t>URL Rewriting</a:t>
@@ -4211,6 +4255,7 @@
             <a:endParaRPr lang="en-US" dirty="0"/>
           </a:p>
           <a:p>
+            <a:pPr algn="just"/>
             <a:r>
               <a:rPr lang="en-US" b="1" dirty="0" err="1"/>
               <a:t>HttpSession</a:t>
@@ -4218,10 +4263,11 @@
             <a:endParaRPr lang="en-US" dirty="0"/>
           </a:p>
           <a:p>
+            <a:pPr algn="just"/>
             <a:endParaRPr lang="en-US" dirty="0"/>
           </a:p>
           <a:p>
-            <a:pPr marL="457200" lvl="1" indent="0">
+            <a:pPr marL="457200" lvl="1" indent="0" algn="just">
               <a:buNone/>
             </a:pPr>
             <a:endParaRPr lang="en-IN" sz="1400" b="1" dirty="0">
@@ -4230,6 +4276,7 @@
             </a:endParaRPr>
           </a:p>
           <a:p>
+            <a:pPr algn="just"/>
             <a:endParaRPr lang="en-IN" sz="1400" dirty="0">
               <a:latin typeface="Arial" panose="020B0604020202020204" pitchFamily="34" charset="0"/>
               <a:cs typeface="Arial" panose="020B0604020202020204" pitchFamily="34" charset="0"/>
@@ -4240,7 +4287,7 @@
     </p:spTree>
     <p:extLst>
       <p:ext uri="{BB962C8B-B14F-4D97-AF65-F5344CB8AC3E}">
-        <p14:creationId xmlns:p14="http://schemas.microsoft.com/office/powerpoint/2010/main" val="3368101979"/>
+        <p14:creationId xmlns:p14="http://schemas.microsoft.com/office/powerpoint/2010/main" xmlns="" val="3368101979"/>
       </p:ext>
     </p:extLst>
   </p:cSld>
@@ -4272,7 +4319,7 @@
           <p:cNvPr id="2" name="Title 1">
             <a:extLst>
               <a:ext uri="{FF2B5EF4-FFF2-40B4-BE49-F238E27FC236}">
-                <a16:creationId xmlns:a16="http://schemas.microsoft.com/office/drawing/2014/main" id="{E1A9363A-F999-4F1C-A157-8DDECEB7BD31}"/>
+                <a16:creationId xmlns:a16="http://schemas.microsoft.com/office/drawing/2014/main" xmlns="" id="{E1A9363A-F999-4F1C-A157-8DDECEB7BD31}"/>
               </a:ext>
             </a:extLst>
           </p:cNvPr>
@@ -4289,7 +4336,7 @@
           <a:lstStyle/>
           <a:p>
             <a:r>
-              <a:rPr lang="en-US" dirty="0"/>
+              <a:rPr lang="en-US" b="1" dirty="0"/>
               <a:t>Session Tracking - Cookies</a:t>
             </a:r>
           </a:p>
@@ -4300,7 +4347,7 @@
           <p:cNvPr id="4" name="Content Placeholder 3">
             <a:extLst>
               <a:ext uri="{FF2B5EF4-FFF2-40B4-BE49-F238E27FC236}">
-                <a16:creationId xmlns:a16="http://schemas.microsoft.com/office/drawing/2014/main" id="{387D742D-38A5-44D3-8940-C29BC333E4DE}"/>
+                <a16:creationId xmlns:a16="http://schemas.microsoft.com/office/drawing/2014/main" xmlns="" id="{387D742D-38A5-44D3-8940-C29BC333E4DE}"/>
               </a:ext>
             </a:extLst>
           </p:cNvPr>
@@ -4311,7 +4358,12 @@
             <p:ph idx="1"/>
           </p:nvPr>
         </p:nvSpPr>
-        <p:spPr/>
+        <p:spPr>
+          <a:xfrm>
+            <a:off x="838200" y="1825624"/>
+            <a:ext cx="10515600" cy="4707697"/>
+          </a:xfrm>
+        </p:spPr>
         <p:txBody>
           <a:bodyPr>
             <a:noAutofit/>
@@ -4344,9 +4396,16 @@
             </a:r>
           </a:p>
           <a:p>
-            <a:r>
-              <a:rPr lang="en-US" dirty="0"/>
-              <a:t>By default, each request is considered as a new request. In cookies technique, we add cookie with response from the servlet. So cookie is stored in the cache of the browser. After that if request is sent by the user, cookie is added with request by default. Thus, we recognize the user as the old user.</a:t>
+            <a:pPr>
+              <a:buNone/>
+            </a:pPr>
+            <a:r>
+              <a:rPr lang="en-US" dirty="0" smtClean="0"/>
+              <a:t>	By </a:t>
+            </a:r>
+            <a:r>
+              <a:rPr lang="en-US" dirty="0"/>
+              <a:t>default, each request is considered as a new request. In cookies technique, we add cookie with response from the servlet. So cookie is stored in the cache of the browser. After that if request is sent by the user, cookie is added with request by default. Thus, we recognize the user as the old user.</a:t>
             </a:r>
           </a:p>
           <a:p>
@@ -4372,7 +4431,7 @@
     </p:spTree>
     <p:extLst>
       <p:ext uri="{BB962C8B-B14F-4D97-AF65-F5344CB8AC3E}">
-        <p14:creationId xmlns:p14="http://schemas.microsoft.com/office/powerpoint/2010/main" val="479899717"/>
+        <p14:creationId xmlns:p14="http://schemas.microsoft.com/office/powerpoint/2010/main" xmlns="" val="479899717"/>
       </p:ext>
     </p:extLst>
   </p:cSld>
@@ -4404,7 +4463,7 @@
           <p:cNvPr id="2" name="Title 1">
             <a:extLst>
               <a:ext uri="{FF2B5EF4-FFF2-40B4-BE49-F238E27FC236}">
-                <a16:creationId xmlns:a16="http://schemas.microsoft.com/office/drawing/2014/main" id="{E1A9363A-F999-4F1C-A157-8DDECEB7BD31}"/>
+                <a16:creationId xmlns:a16="http://schemas.microsoft.com/office/drawing/2014/main" xmlns="" id="{E1A9363A-F999-4F1C-A157-8DDECEB7BD31}"/>
               </a:ext>
             </a:extLst>
           </p:cNvPr>
@@ -4421,7 +4480,7 @@
           <a:lstStyle/>
           <a:p>
             <a:r>
-              <a:rPr lang="en-US" dirty="0"/>
+              <a:rPr lang="en-US" b="1" dirty="0"/>
               <a:t>Session Tracking - Cookies</a:t>
             </a:r>
           </a:p>
@@ -4432,7 +4491,7 @@
           <p:cNvPr id="4" name="Content Placeholder 3">
             <a:extLst>
               <a:ext uri="{FF2B5EF4-FFF2-40B4-BE49-F238E27FC236}">
-                <a16:creationId xmlns:a16="http://schemas.microsoft.com/office/drawing/2014/main" id="{387D742D-38A5-44D3-8940-C29BC333E4DE}"/>
+                <a16:creationId xmlns:a16="http://schemas.microsoft.com/office/drawing/2014/main" xmlns="" id="{387D742D-38A5-44D3-8940-C29BC333E4DE}"/>
               </a:ext>
             </a:extLst>
           </p:cNvPr>
@@ -4479,7 +4538,7 @@
           <p:cNvPr id="6146" name="Picture 2" descr="HttpSession object">
             <a:extLst>
               <a:ext uri="{FF2B5EF4-FFF2-40B4-BE49-F238E27FC236}">
-                <a16:creationId xmlns:a16="http://schemas.microsoft.com/office/drawing/2014/main" id="{D7EF5031-B2BD-4A99-AF17-079F2DF90055}"/>
+                <a16:creationId xmlns:a16="http://schemas.microsoft.com/office/drawing/2014/main" xmlns="" id="{D7EF5031-B2BD-4A99-AF17-079F2DF90055}"/>
               </a:ext>
             </a:extLst>
           </p:cNvPr>
@@ -4492,7 +4551,7 @@
           <a:blip r:embed="rId2">
             <a:extLst>
               <a:ext uri="{28A0092B-C50C-407E-A947-70E740481C1C}">
-                <a14:useLocalDpi xmlns:a14="http://schemas.microsoft.com/office/drawing/2010/main" val="0"/>
+                <a14:useLocalDpi xmlns:a14="http://schemas.microsoft.com/office/drawing/2010/main" xmlns="" val="0"/>
               </a:ext>
             </a:extLst>
           </a:blip>
@@ -4512,7 +4571,7 @@
           <a:noFill/>
           <a:extLst>
             <a:ext uri="{909E8E84-426E-40DD-AFC4-6F175D3DCCD1}">
-              <a14:hiddenFill xmlns:a14="http://schemas.microsoft.com/office/drawing/2010/main">
+              <a14:hiddenFill xmlns:a14="http://schemas.microsoft.com/office/drawing/2010/main" xmlns="">
                 <a:solidFill>
                   <a:srgbClr val="FFFFFF"/>
                 </a:solidFill>
@@ -4524,7 +4583,7 @@
     </p:spTree>
     <p:extLst>
       <p:ext uri="{BB962C8B-B14F-4D97-AF65-F5344CB8AC3E}">
-        <p14:creationId xmlns:p14="http://schemas.microsoft.com/office/powerpoint/2010/main" val="1350751745"/>
+        <p14:creationId xmlns:p14="http://schemas.microsoft.com/office/powerpoint/2010/main" xmlns="" val="1350751745"/>
       </p:ext>
     </p:extLst>
   </p:cSld>
@@ -4556,7 +4615,7 @@
           <p:cNvPr id="2" name="Title 1">
             <a:extLst>
               <a:ext uri="{FF2B5EF4-FFF2-40B4-BE49-F238E27FC236}">
-                <a16:creationId xmlns:a16="http://schemas.microsoft.com/office/drawing/2014/main" id="{E1A9363A-F999-4F1C-A157-8DDECEB7BD31}"/>
+                <a16:creationId xmlns:a16="http://schemas.microsoft.com/office/drawing/2014/main" xmlns="" id="{E1A9363A-F999-4F1C-A157-8DDECEB7BD31}"/>
               </a:ext>
             </a:extLst>
           </p:cNvPr>
@@ -4573,7 +4632,7 @@
           <a:lstStyle/>
           <a:p>
             <a:r>
-              <a:rPr lang="en-IN" dirty="0"/>
+              <a:rPr lang="en-IN" b="1" dirty="0"/>
               <a:t>Servlet annotations</a:t>
             </a:r>
           </a:p>
@@ -4584,7 +4643,7 @@
           <p:cNvPr id="4" name="Content Placeholder 3">
             <a:extLst>
               <a:ext uri="{FF2B5EF4-FFF2-40B4-BE49-F238E27FC236}">
-                <a16:creationId xmlns:a16="http://schemas.microsoft.com/office/drawing/2014/main" id="{387D742D-38A5-44D3-8940-C29BC333E4DE}"/>
+                <a16:creationId xmlns:a16="http://schemas.microsoft.com/office/drawing/2014/main" xmlns="" id="{387D742D-38A5-44D3-8940-C29BC333E4DE}"/>
               </a:ext>
             </a:extLst>
           </p:cNvPr>
@@ -4621,7 +4680,7 @@
           <p:cNvPr id="5" name="Picture 4">
             <a:extLst>
               <a:ext uri="{FF2B5EF4-FFF2-40B4-BE49-F238E27FC236}">
-                <a16:creationId xmlns:a16="http://schemas.microsoft.com/office/drawing/2014/main" id="{8F605AE0-31A6-40E3-9CBF-8D178146448F}"/>
+                <a16:creationId xmlns:a16="http://schemas.microsoft.com/office/drawing/2014/main" xmlns="" id="{8F605AE0-31A6-40E3-9CBF-8D178146448F}"/>
               </a:ext>
             </a:extLst>
           </p:cNvPr>
@@ -4634,7 +4693,7 @@
           <a:blip r:embed="rId2">
             <a:extLst>
               <a:ext uri="{28A0092B-C50C-407E-A947-70E740481C1C}">
-                <a14:useLocalDpi xmlns:a14="http://schemas.microsoft.com/office/drawing/2010/main" val="0"/>
+                <a14:useLocalDpi xmlns:a14="http://schemas.microsoft.com/office/drawing/2010/main" xmlns="" val="0"/>
               </a:ext>
             </a:extLst>
           </a:blip>
@@ -4655,7 +4714,7 @@
     </p:spTree>
     <p:extLst>
       <p:ext uri="{BB962C8B-B14F-4D97-AF65-F5344CB8AC3E}">
-        <p14:creationId xmlns:p14="http://schemas.microsoft.com/office/powerpoint/2010/main" val="1071380684"/>
+        <p14:creationId xmlns:p14="http://schemas.microsoft.com/office/powerpoint/2010/main" xmlns="" val="1071380684"/>
       </p:ext>
     </p:extLst>
   </p:cSld>
@@ -4687,7 +4746,7 @@
           <p:cNvPr id="2" name="Title 1">
             <a:extLst>
               <a:ext uri="{FF2B5EF4-FFF2-40B4-BE49-F238E27FC236}">
-                <a16:creationId xmlns:a16="http://schemas.microsoft.com/office/drawing/2014/main" id="{E1A9363A-F999-4F1C-A157-8DDECEB7BD31}"/>
+                <a16:creationId xmlns:a16="http://schemas.microsoft.com/office/drawing/2014/main" xmlns="" id="{E1A9363A-F999-4F1C-A157-8DDECEB7BD31}"/>
               </a:ext>
             </a:extLst>
           </p:cNvPr>
@@ -4704,7 +4763,7 @@
           <a:lstStyle/>
           <a:p>
             <a:r>
-              <a:rPr lang="en-IN" dirty="0"/>
+              <a:rPr lang="en-IN" b="1" dirty="0"/>
               <a:t>JSP</a:t>
             </a:r>
           </a:p>
@@ -4715,7 +4774,7 @@
           <p:cNvPr id="4" name="Content Placeholder 3">
             <a:extLst>
               <a:ext uri="{FF2B5EF4-FFF2-40B4-BE49-F238E27FC236}">
-                <a16:creationId xmlns:a16="http://schemas.microsoft.com/office/drawing/2014/main" id="{387D742D-38A5-44D3-8940-C29BC333E4DE}"/>
+                <a16:creationId xmlns:a16="http://schemas.microsoft.com/office/drawing/2014/main" xmlns="" id="{387D742D-38A5-44D3-8940-C29BC333E4DE}"/>
               </a:ext>
             </a:extLst>
           </p:cNvPr>
@@ -4733,13 +4792,14 @@
           </a:bodyPr>
           <a:lstStyle/>
           <a:p>
-            <a:pPr lvl="1"/>
+            <a:pPr lvl="1" algn="just"/>
             <a:endParaRPr lang="en-IN" sz="1400" b="1" dirty="0">
               <a:latin typeface="Arial" panose="020B0604020202020204" pitchFamily="34" charset="0"/>
               <a:cs typeface="Arial" panose="020B0604020202020204" pitchFamily="34" charset="0"/>
             </a:endParaRPr>
           </a:p>
           <a:p>
+            <a:pPr algn="just"/>
             <a:r>
               <a:rPr lang="en-US" b="1" dirty="0"/>
               <a:t>JSP</a:t>
@@ -4750,12 +4810,14 @@
             </a:r>
           </a:p>
           <a:p>
+            <a:pPr algn="just"/>
             <a:r>
               <a:rPr lang="en-US" dirty="0"/>
               <a:t>A JSP page consists of HTML tags and JSP tags. The JSP pages are easier to maintain than Servlet because we can separate designing and development. It provides some additional features such as Expression Language, Custom Tags, etc.</a:t>
             </a:r>
           </a:p>
           <a:p>
+            <a:pPr algn="just"/>
             <a:endParaRPr lang="en-IN" sz="1400" dirty="0">
               <a:latin typeface="Arial" panose="020B0604020202020204" pitchFamily="34" charset="0"/>
               <a:cs typeface="Arial" panose="020B0604020202020204" pitchFamily="34" charset="0"/>
@@ -4766,7 +4828,7 @@
     </p:spTree>
     <p:extLst>
       <p:ext uri="{BB962C8B-B14F-4D97-AF65-F5344CB8AC3E}">
-        <p14:creationId xmlns:p14="http://schemas.microsoft.com/office/powerpoint/2010/main" val="2388903250"/>
+        <p14:creationId xmlns:p14="http://schemas.microsoft.com/office/powerpoint/2010/main" xmlns="" val="2388903250"/>
       </p:ext>
     </p:extLst>
   </p:cSld>
@@ -4798,7 +4860,7 @@
           <p:cNvPr id="2" name="Title 1">
             <a:extLst>
               <a:ext uri="{FF2B5EF4-FFF2-40B4-BE49-F238E27FC236}">
-                <a16:creationId xmlns:a16="http://schemas.microsoft.com/office/drawing/2014/main" id="{E1A9363A-F999-4F1C-A157-8DDECEB7BD31}"/>
+                <a16:creationId xmlns:a16="http://schemas.microsoft.com/office/drawing/2014/main" xmlns="" id="{E1A9363A-F999-4F1C-A157-8DDECEB7BD31}"/>
               </a:ext>
             </a:extLst>
           </p:cNvPr>
@@ -4815,7 +4877,7 @@
           <a:lstStyle/>
           <a:p>
             <a:r>
-              <a:rPr lang="en-IN" dirty="0"/>
+              <a:rPr lang="en-IN" b="1" dirty="0"/>
               <a:t>Advantages of JSP over servlet</a:t>
             </a:r>
           </a:p>
@@ -4826,7 +4888,7 @@
           <p:cNvPr id="4" name="Content Placeholder 3">
             <a:extLst>
               <a:ext uri="{FF2B5EF4-FFF2-40B4-BE49-F238E27FC236}">
-                <a16:creationId xmlns:a16="http://schemas.microsoft.com/office/drawing/2014/main" id="{387D742D-38A5-44D3-8940-C29BC333E4DE}"/>
+                <a16:creationId xmlns:a16="http://schemas.microsoft.com/office/drawing/2014/main" xmlns="" id="{387D742D-38A5-44D3-8940-C29BC333E4DE}"/>
               </a:ext>
             </a:extLst>
           </p:cNvPr>
@@ -4837,67 +4899,89 @@
             <p:ph idx="1"/>
           </p:nvPr>
         </p:nvSpPr>
-        <p:spPr/>
+        <p:spPr>
+          <a:xfrm>
+            <a:off x="861391" y="1537252"/>
+            <a:ext cx="10787269" cy="4996069"/>
+          </a:xfrm>
+        </p:spPr>
         <p:txBody>
           <a:bodyPr>
             <a:noAutofit/>
           </a:bodyPr>
           <a:lstStyle/>
           <a:p>
+            <a:pPr algn="just">
+              <a:buNone/>
+            </a:pPr>
             <a:r>
               <a:rPr lang="en-US" sz="2000" dirty="0"/>
               <a:t>1) Extension to Servlet</a:t>
             </a:r>
           </a:p>
           <a:p>
+            <a:pPr algn="just"/>
             <a:r>
               <a:rPr lang="en-US" sz="2000" dirty="0"/>
               <a:t>JSP technology is the extension to Servlet technology. We can use all the features of the Servlet in JSP. In addition to, we can use implicit objects, predefined tags, expression language and Custom tags in JSP, that makes JSP development easy.</a:t>
             </a:r>
           </a:p>
           <a:p>
+            <a:pPr algn="just">
+              <a:buNone/>
+            </a:pPr>
             <a:r>
               <a:rPr lang="en-US" sz="2000" dirty="0"/>
               <a:t>2) Easy to maintain</a:t>
             </a:r>
           </a:p>
           <a:p>
+            <a:pPr algn="just"/>
             <a:r>
               <a:rPr lang="en-US" sz="2000" dirty="0"/>
               <a:t>JSP can be easily managed because we can easily separate our business logic with presentation logic. In Servlet technology, we mix our business logic with the presentation logic.</a:t>
             </a:r>
           </a:p>
           <a:p>
+            <a:pPr algn="just">
+              <a:buNone/>
+            </a:pPr>
             <a:r>
               <a:rPr lang="en-US" sz="2000" dirty="0"/>
               <a:t>3) Fast Development: No need to recompile and redeploy</a:t>
             </a:r>
           </a:p>
           <a:p>
+            <a:pPr algn="just"/>
             <a:r>
               <a:rPr lang="en-US" sz="2000" dirty="0"/>
               <a:t>If JSP page is modified, we don't need to recompile and redeploy the project. The Servlet code needs to be updated and recompiled if we have to change the look and feel of the application.</a:t>
             </a:r>
           </a:p>
           <a:p>
+            <a:pPr algn="just">
+              <a:buNone/>
+            </a:pPr>
             <a:r>
               <a:rPr lang="en-US" sz="2000" dirty="0"/>
               <a:t>4) Less code than Servlet</a:t>
             </a:r>
           </a:p>
           <a:p>
+            <a:pPr algn="just"/>
             <a:r>
               <a:rPr lang="en-US" sz="2000" dirty="0"/>
               <a:t>In JSP, we can use many tags such as action tags, JSTL, custom tags, etc. that reduces the code. Moreover, we can use EL, implicit objects, etc.</a:t>
             </a:r>
           </a:p>
           <a:p>
-            <a:r>
-              <a:rPr lang="en-US" dirty="0"/>
-              <a:t>.</a:t>
-            </a:r>
-          </a:p>
-          <a:p>
+            <a:pPr algn="just">
+              <a:buNone/>
+            </a:pPr>
+            <a:endParaRPr lang="en-US" dirty="0"/>
+          </a:p>
+          <a:p>
+            <a:pPr algn="just"/>
             <a:endParaRPr lang="en-IN" sz="1400" dirty="0">
               <a:latin typeface="Arial" panose="020B0604020202020204" pitchFamily="34" charset="0"/>
               <a:cs typeface="Arial" panose="020B0604020202020204" pitchFamily="34" charset="0"/>
@@ -4908,7 +4992,7 @@
     </p:spTree>
     <p:extLst>
       <p:ext uri="{BB962C8B-B14F-4D97-AF65-F5344CB8AC3E}">
-        <p14:creationId xmlns:p14="http://schemas.microsoft.com/office/powerpoint/2010/main" val="676159769"/>
+        <p14:creationId xmlns:p14="http://schemas.microsoft.com/office/powerpoint/2010/main" xmlns="" val="676159769"/>
       </p:ext>
     </p:extLst>
   </p:cSld>
@@ -4940,7 +5024,7 @@
           <p:cNvPr id="2" name="Title 1">
             <a:extLst>
               <a:ext uri="{FF2B5EF4-FFF2-40B4-BE49-F238E27FC236}">
-                <a16:creationId xmlns:a16="http://schemas.microsoft.com/office/drawing/2014/main" id="{1A41D3BD-21ED-4200-A35D-5864E79FFE5E}"/>
+                <a16:creationId xmlns:a16="http://schemas.microsoft.com/office/drawing/2014/main" xmlns="" id="{1A41D3BD-21ED-4200-A35D-5864E79FFE5E}"/>
               </a:ext>
             </a:extLst>
           </p:cNvPr>
@@ -4968,7 +5052,7 @@
           <p:cNvPr id="3" name="Content Placeholder 2">
             <a:extLst>
               <a:ext uri="{FF2B5EF4-FFF2-40B4-BE49-F238E27FC236}">
-                <a16:creationId xmlns:a16="http://schemas.microsoft.com/office/drawing/2014/main" id="{70EAE32C-01B9-4D24-8F7D-680E6749ACEE}"/>
+                <a16:creationId xmlns:a16="http://schemas.microsoft.com/office/drawing/2014/main" xmlns="" id="{70EAE32C-01B9-4D24-8F7D-680E6749ACEE}"/>
               </a:ext>
             </a:extLst>
           </p:cNvPr>
@@ -4986,100 +5070,92 @@
           </a:bodyPr>
           <a:lstStyle/>
           <a:p>
+            <a:pPr algn="just"/>
             <a:r>
               <a:rPr lang="en-IN" dirty="0"/>
               <a:t>Raghu Prasad – BE, MS</a:t>
             </a:r>
           </a:p>
           <a:p>
+            <a:pPr algn="just"/>
             <a:r>
               <a:rPr lang="en-IN" dirty="0"/>
               <a:t>Total of 24 years of experience</a:t>
             </a:r>
           </a:p>
           <a:p>
+            <a:pPr algn="just"/>
             <a:r>
               <a:rPr lang="en-IN" dirty="0"/>
               <a:t>7 years as a lecturer in Engineering College</a:t>
             </a:r>
           </a:p>
           <a:p>
+            <a:pPr algn="just"/>
             <a:r>
               <a:rPr lang="en-IN" dirty="0"/>
               <a:t>17 Years into IT</a:t>
             </a:r>
           </a:p>
           <a:p>
+            <a:pPr algn="just"/>
             <a:r>
               <a:rPr lang="en-IN" dirty="0"/>
-              <a:t>Worked with companies like </a:t>
-            </a:r>
-            <a:r>
-              <a:rPr lang="en-IN" dirty="0" err="1"/>
-              <a:t>CISCO,CSC,ICICI,First</a:t>
+              <a:t>Worked with companies like CISCO</a:t>
+            </a:r>
+            <a:r>
+              <a:rPr lang="en-IN" dirty="0" smtClean="0"/>
+              <a:t>, CSC, ICICI, First </a:t>
             </a:r>
             <a:r>
               <a:rPr lang="en-IN" dirty="0"/>
-              <a:t> Apex – NTT Data</a:t>
-            </a:r>
-          </a:p>
-          <a:p>
+              <a:t>Apex – NTT Data</a:t>
+            </a:r>
+          </a:p>
+          <a:p>
+            <a:pPr algn="just"/>
             <a:r>
               <a:rPr lang="en-IN" dirty="0"/>
               <a:t>Currently into Corporate training and consultancy</a:t>
             </a:r>
           </a:p>
           <a:p>
+            <a:pPr algn="just"/>
             <a:r>
               <a:rPr lang="en-IN" dirty="0"/>
               <a:t>Worked with corporates and public sector</a:t>
             </a:r>
           </a:p>
           <a:p>
+            <a:pPr algn="just"/>
             <a:r>
               <a:rPr lang="en-IN" dirty="0"/>
-              <a:t>Technologies – </a:t>
-            </a:r>
-            <a:r>
-              <a:rPr lang="en-IN" dirty="0" err="1"/>
-              <a:t>Java,Python,Data</a:t>
+              <a:t>Technologies – Java</a:t>
+            </a:r>
+            <a:r>
+              <a:rPr lang="en-IN" dirty="0" smtClean="0"/>
+              <a:t>, Python, DataSciences, Web-Technologies, Java </a:t>
             </a:r>
             <a:r>
               <a:rPr lang="en-IN" dirty="0"/>
-              <a:t> </a:t>
-            </a:r>
-            <a:r>
-              <a:rPr lang="en-IN" dirty="0" err="1"/>
-              <a:t>Sciences,Web</a:t>
+              <a:t>Script technologies (MEAN stack</a:t>
+            </a:r>
+            <a:r>
+              <a:rPr lang="en-IN" dirty="0" smtClean="0"/>
+              <a:t>), IOT, Test </a:t>
             </a:r>
             <a:r>
               <a:rPr lang="en-IN" dirty="0"/>
-              <a:t> </a:t>
-            </a:r>
-            <a:r>
-              <a:rPr lang="en-IN" dirty="0" err="1"/>
-              <a:t>technologies,Java</a:t>
-            </a:r>
-            <a:r>
-              <a:rPr lang="en-IN" dirty="0"/>
-              <a:t> Script technologies (MEAN stack),</a:t>
-            </a:r>
-            <a:r>
-              <a:rPr lang="en-IN" dirty="0" err="1"/>
-              <a:t>IOT,Test</a:t>
-            </a:r>
-            <a:r>
-              <a:rPr lang="en-IN" dirty="0"/>
-              <a:t> Automation – </a:t>
-            </a:r>
-            <a:r>
-              <a:rPr lang="en-IN" dirty="0" err="1"/>
-              <a:t>Selenium,JMeter</a:t>
+              <a:t>Automation – </a:t>
+            </a:r>
+            <a:r>
+              <a:rPr lang="en-IN" dirty="0" smtClean="0"/>
+              <a:t>Selenium, JMeter</a:t>
             </a:r>
             <a:endParaRPr lang="en-IN" dirty="0"/>
           </a:p>
           <a:p>
-            <a:pPr marL="0" indent="0">
+            <a:pPr marL="0" indent="0" algn="just">
               <a:buNone/>
             </a:pPr>
             <a:endParaRPr lang="en-IN" dirty="0"/>
@@ -5089,7 +5165,7 @@
     </p:spTree>
     <p:extLst>
       <p:ext uri="{BB962C8B-B14F-4D97-AF65-F5344CB8AC3E}">
-        <p14:creationId xmlns:p14="http://schemas.microsoft.com/office/powerpoint/2010/main" val="1403244045"/>
+        <p14:creationId xmlns:p14="http://schemas.microsoft.com/office/powerpoint/2010/main" xmlns="" val="1403244045"/>
       </p:ext>
     </p:extLst>
   </p:cSld>
@@ -5121,7 +5197,7 @@
           <p:cNvPr id="2" name="Title 1">
             <a:extLst>
               <a:ext uri="{FF2B5EF4-FFF2-40B4-BE49-F238E27FC236}">
-                <a16:creationId xmlns:a16="http://schemas.microsoft.com/office/drawing/2014/main" id="{E1A9363A-F999-4F1C-A157-8DDECEB7BD31}"/>
+                <a16:creationId xmlns:a16="http://schemas.microsoft.com/office/drawing/2014/main" xmlns="" id="{E1A9363A-F999-4F1C-A157-8DDECEB7BD31}"/>
               </a:ext>
             </a:extLst>
           </p:cNvPr>
@@ -5138,7 +5214,7 @@
           <a:lstStyle/>
           <a:p>
             <a:r>
-              <a:rPr lang="en-IN" dirty="0"/>
+              <a:rPr lang="en-IN" b="1" dirty="0"/>
               <a:t>Advantages of JSP over servlet</a:t>
             </a:r>
           </a:p>
@@ -5149,7 +5225,7 @@
           <p:cNvPr id="5" name="Content Placeholder 4">
             <a:extLst>
               <a:ext uri="{FF2B5EF4-FFF2-40B4-BE49-F238E27FC236}">
-                <a16:creationId xmlns:a16="http://schemas.microsoft.com/office/drawing/2014/main" id="{874CF11D-12B6-4562-8965-468C08EA09AC}"/>
+                <a16:creationId xmlns:a16="http://schemas.microsoft.com/office/drawing/2014/main" xmlns="" id="{874CF11D-12B6-4562-8965-468C08EA09AC}"/>
               </a:ext>
             </a:extLst>
           </p:cNvPr>
@@ -5164,7 +5240,7 @@
           <a:blip r:embed="rId2">
             <a:extLst>
               <a:ext uri="{28A0092B-C50C-407E-A947-70E740481C1C}">
-                <a14:useLocalDpi xmlns:a14="http://schemas.microsoft.com/office/drawing/2010/main" val="0"/>
+                <a14:useLocalDpi xmlns:a14="http://schemas.microsoft.com/office/drawing/2010/main" xmlns="" val="0"/>
               </a:ext>
             </a:extLst>
           </a:blip>
@@ -5182,7 +5258,7 @@
     </p:spTree>
     <p:extLst>
       <p:ext uri="{BB962C8B-B14F-4D97-AF65-F5344CB8AC3E}">
-        <p14:creationId xmlns:p14="http://schemas.microsoft.com/office/powerpoint/2010/main" val="914349783"/>
+        <p14:creationId xmlns:p14="http://schemas.microsoft.com/office/powerpoint/2010/main" xmlns="" val="914349783"/>
       </p:ext>
     </p:extLst>
   </p:cSld>
@@ -5214,7 +5290,7 @@
           <p:cNvPr id="2" name="Title 1">
             <a:extLst>
               <a:ext uri="{FF2B5EF4-FFF2-40B4-BE49-F238E27FC236}">
-                <a16:creationId xmlns:a16="http://schemas.microsoft.com/office/drawing/2014/main" id="{E1A9363A-F999-4F1C-A157-8DDECEB7BD31}"/>
+                <a16:creationId xmlns:a16="http://schemas.microsoft.com/office/drawing/2014/main" xmlns="" id="{E1A9363A-F999-4F1C-A157-8DDECEB7BD31}"/>
               </a:ext>
             </a:extLst>
           </p:cNvPr>
@@ -5231,7 +5307,7 @@
           <a:lstStyle/>
           <a:p>
             <a:r>
-              <a:rPr lang="en-IN" dirty="0"/>
+              <a:rPr lang="en-IN" b="1" dirty="0"/>
               <a:t>JSP Scripting elements</a:t>
             </a:r>
           </a:p>
@@ -5242,7 +5318,7 @@
           <p:cNvPr id="4" name="Content Placeholder 3">
             <a:extLst>
               <a:ext uri="{FF2B5EF4-FFF2-40B4-BE49-F238E27FC236}">
-                <a16:creationId xmlns:a16="http://schemas.microsoft.com/office/drawing/2014/main" id="{20D691CE-A396-45A5-9EF7-F0E547BA2A20}"/>
+                <a16:creationId xmlns:a16="http://schemas.microsoft.com/office/drawing/2014/main" xmlns="" id="{20D691CE-A396-45A5-9EF7-F0E547BA2A20}"/>
               </a:ext>
             </a:extLst>
           </p:cNvPr>
@@ -5258,6 +5334,7 @@
           <a:bodyPr/>
           <a:lstStyle/>
           <a:p>
+            <a:pPr algn="just"/>
             <a:r>
               <a:rPr lang="en-US" dirty="0"/>
               <a:t>The scripting elements provides the ability to insert java code inside the </a:t>
@@ -5272,56 +5349,44 @@
             </a:r>
           </a:p>
           <a:p>
-            <a:r>
-              <a:rPr lang="en-US" dirty="0" err="1"/>
-              <a:t>scriptlet</a:t>
-            </a:r>
-            <a:r>
-              <a:rPr lang="en-US" dirty="0"/>
-              <a:t> tag</a:t>
-            </a:r>
-          </a:p>
-          <a:p>
+            <a:pPr algn="just"/>
+            <a:r>
+              <a:rPr lang="en-US" dirty="0"/>
+              <a:t>scriptlet tag</a:t>
+            </a:r>
+          </a:p>
+          <a:p>
+            <a:pPr algn="just"/>
             <a:r>
               <a:rPr lang="en-US" dirty="0"/>
               <a:t>expression tag</a:t>
             </a:r>
           </a:p>
           <a:p>
+            <a:pPr algn="just"/>
             <a:r>
               <a:rPr lang="en-US" dirty="0"/>
               <a:t>declaration tag</a:t>
             </a:r>
           </a:p>
           <a:p>
-            <a:r>
-              <a:rPr lang="en-US" dirty="0"/>
-              <a:t>JSP </a:t>
-            </a:r>
-            <a:r>
-              <a:rPr lang="en-US" dirty="0" err="1"/>
-              <a:t>scriptlet</a:t>
-            </a:r>
-            <a:r>
-              <a:rPr lang="en-US" dirty="0"/>
-              <a:t> tag</a:t>
-            </a:r>
-          </a:p>
-          <a:p>
-            <a:r>
-              <a:rPr lang="en-US" dirty="0"/>
-              <a:t>A </a:t>
-            </a:r>
-            <a:r>
-              <a:rPr lang="en-US" dirty="0" err="1"/>
-              <a:t>scriptlet</a:t>
-            </a:r>
-            <a:r>
-              <a:rPr lang="en-US" dirty="0"/>
-              <a:t> tag is used to execute java source code in JSP. Syntax is as follows:</a:t>
-            </a:r>
-          </a:p>
-          <a:p>
+            <a:pPr algn="just">
+              <a:buNone/>
+            </a:pPr>
+            <a:r>
+              <a:rPr lang="en-US" dirty="0"/>
+              <a:t>JSP scriptlet tag</a:t>
+            </a:r>
+          </a:p>
+          <a:p>
+            <a:pPr algn="just"/>
+            <a:r>
+              <a:rPr lang="en-US" dirty="0"/>
+              <a:t>A scriptlet tag is used to execute java source code in JSP. Syntax is as follows:</a:t>
+            </a:r>
+          </a:p>
+          <a:p>
+            <a:pPr algn="just"/>
             <a:r>
               <a:rPr lang="en-US" dirty="0"/>
               <a:t>&lt;%  java source code %&gt;  </a:t>
@@ -5332,7 +5397,7 @@
     </p:spTree>
     <p:extLst>
       <p:ext uri="{BB962C8B-B14F-4D97-AF65-F5344CB8AC3E}">
-        <p14:creationId xmlns:p14="http://schemas.microsoft.com/office/powerpoint/2010/main" val="4065197129"/>
+        <p14:creationId xmlns:p14="http://schemas.microsoft.com/office/powerpoint/2010/main" xmlns="" val="4065197129"/>
       </p:ext>
     </p:extLst>
   </p:cSld>
@@ -5364,7 +5429,7 @@
           <p:cNvPr id="2" name="Title 1">
             <a:extLst>
               <a:ext uri="{FF2B5EF4-FFF2-40B4-BE49-F238E27FC236}">
-                <a16:creationId xmlns:a16="http://schemas.microsoft.com/office/drawing/2014/main" id="{E1A9363A-F999-4F1C-A157-8DDECEB7BD31}"/>
+                <a16:creationId xmlns:a16="http://schemas.microsoft.com/office/drawing/2014/main" xmlns="" id="{E1A9363A-F999-4F1C-A157-8DDECEB7BD31}"/>
               </a:ext>
             </a:extLst>
           </p:cNvPr>
@@ -5384,19 +5449,15 @@
           <a:p>
             <a:r>
               <a:rPr lang="en-US" dirty="0"/>
-              <a:t>Example of JSP </a:t>
-            </a:r>
-            <a:r>
-              <a:rPr lang="en-US" dirty="0" err="1"/>
-              <a:t>scriptlet</a:t>
-            </a:r>
-            <a:r>
-              <a:rPr lang="en-US" dirty="0"/>
-              <a:t> tag</a:t>
+              <a:t>Example of JSP scriptlet tag</a:t>
             </a:r>
             <a:br>
               <a:rPr lang="en-US" dirty="0"/>
             </a:br>
+            <a:r>
+              <a:rPr lang="en-US" dirty="0"/>
+              <a:t/>
+            </a:r>
             <a:br>
               <a:rPr lang="en-US" dirty="0"/>
             </a:br>
@@ -5409,7 +5470,7 @@
           <p:cNvPr id="4" name="Content Placeholder 3">
             <a:extLst>
               <a:ext uri="{FF2B5EF4-FFF2-40B4-BE49-F238E27FC236}">
-                <a16:creationId xmlns:a16="http://schemas.microsoft.com/office/drawing/2014/main" id="{20D691CE-A396-45A5-9EF7-F0E547BA2A20}"/>
+                <a16:creationId xmlns:a16="http://schemas.microsoft.com/office/drawing/2014/main" xmlns="" id="{20D691CE-A396-45A5-9EF7-F0E547BA2A20}"/>
               </a:ext>
             </a:extLst>
           </p:cNvPr>
@@ -5425,6 +5486,9 @@
           <a:bodyPr/>
           <a:lstStyle/>
           <a:p>
+            <a:pPr algn="just">
+              <a:buNone/>
+            </a:pPr>
             <a:r>
               <a:rPr lang="en-US" b="1" dirty="0"/>
               <a:t>&lt;html&gt;</a:t>
@@ -5435,6 +5499,9 @@
             </a:r>
           </a:p>
           <a:p>
+            <a:pPr algn="just">
+              <a:buNone/>
+            </a:pPr>
             <a:r>
               <a:rPr lang="en-US" b="1" dirty="0"/>
               <a:t>&lt;body&gt;</a:t>
@@ -5445,6 +5512,9 @@
             </a:r>
           </a:p>
           <a:p>
+            <a:pPr algn="just">
+              <a:buNone/>
+            </a:pPr>
             <a:r>
               <a:rPr lang="en-US" b="1" dirty="0"/>
               <a:t>&lt;</a:t>
@@ -5479,6 +5549,9 @@
             </a:r>
           </a:p>
           <a:p>
+            <a:pPr algn="just">
+              <a:buNone/>
+            </a:pPr>
             <a:r>
               <a:rPr lang="en-US" b="1" dirty="0"/>
               <a:t>&lt;/body&gt;</a:t>
@@ -5489,6 +5562,9 @@
             </a:r>
           </a:p>
           <a:p>
+            <a:pPr algn="just">
+              <a:buNone/>
+            </a:pPr>
             <a:r>
               <a:rPr lang="en-US" b="1" dirty="0"/>
               <a:t>&lt;/html&gt;</a:t>
@@ -5499,6 +5575,7 @@
             </a:r>
           </a:p>
           <a:p>
+            <a:pPr algn="just"/>
             <a:endParaRPr lang="en-US" dirty="0"/>
           </a:p>
         </p:txBody>
@@ -5506,7 +5583,7 @@
     </p:spTree>
     <p:extLst>
       <p:ext uri="{BB962C8B-B14F-4D97-AF65-F5344CB8AC3E}">
-        <p14:creationId xmlns:p14="http://schemas.microsoft.com/office/powerpoint/2010/main" val="2559838636"/>
+        <p14:creationId xmlns:p14="http://schemas.microsoft.com/office/powerpoint/2010/main" xmlns="" val="2559838636"/>
       </p:ext>
     </p:extLst>
   </p:cSld>
@@ -5538,7 +5615,7 @@
           <p:cNvPr id="2" name="Title 1">
             <a:extLst>
               <a:ext uri="{FF2B5EF4-FFF2-40B4-BE49-F238E27FC236}">
-                <a16:creationId xmlns:a16="http://schemas.microsoft.com/office/drawing/2014/main" id="{E1A9363A-F999-4F1C-A157-8DDECEB7BD31}"/>
+                <a16:creationId xmlns:a16="http://schemas.microsoft.com/office/drawing/2014/main" xmlns="" id="{E1A9363A-F999-4F1C-A157-8DDECEB7BD31}"/>
               </a:ext>
             </a:extLst>
           </p:cNvPr>
@@ -5556,9 +5633,17 @@
           </a:bodyPr>
           <a:lstStyle/>
           <a:p>
+            <a:r>
+              <a:rPr lang="en-US" dirty="0"/>
+              <a:t/>
+            </a:r>
             <a:br>
               <a:rPr lang="en-US" dirty="0"/>
             </a:br>
+            <a:r>
+              <a:rPr lang="en-US" dirty="0"/>
+              <a:t/>
+            </a:r>
             <a:br>
               <a:rPr lang="en-US" dirty="0"/>
             </a:br>
@@ -5569,6 +5654,10 @@
             <a:br>
               <a:rPr lang="en-US" dirty="0"/>
             </a:br>
+            <a:r>
+              <a:rPr lang="en-US" dirty="0"/>
+              <a:t/>
+            </a:r>
             <a:br>
               <a:rPr lang="en-US" dirty="0"/>
             </a:br>
@@ -5581,7 +5670,7 @@
           <p:cNvPr id="4" name="Content Placeholder 3">
             <a:extLst>
               <a:ext uri="{FF2B5EF4-FFF2-40B4-BE49-F238E27FC236}">
-                <a16:creationId xmlns:a16="http://schemas.microsoft.com/office/drawing/2014/main" id="{20D691CE-A396-45A5-9EF7-F0E547BA2A20}"/>
+                <a16:creationId xmlns:a16="http://schemas.microsoft.com/office/drawing/2014/main" xmlns="" id="{20D691CE-A396-45A5-9EF7-F0E547BA2A20}"/>
               </a:ext>
             </a:extLst>
           </p:cNvPr>
@@ -5592,13 +5681,19 @@
             <p:ph idx="1"/>
           </p:nvPr>
         </p:nvSpPr>
-        <p:spPr/>
+        <p:spPr>
+          <a:xfrm>
+            <a:off x="838200" y="1630017"/>
+            <a:ext cx="10515600" cy="4546946"/>
+          </a:xfrm>
+        </p:spPr>
         <p:txBody>
           <a:bodyPr>
-            <a:normAutofit fontScale="85000" lnSpcReduction="20000"/>
+            <a:normAutofit fontScale="92500" lnSpcReduction="20000"/>
           </a:bodyPr>
           <a:lstStyle/>
           <a:p>
+            <a:pPr algn="just"/>
             <a:r>
               <a:rPr lang="en-US" dirty="0"/>
               <a:t>The code placed within </a:t>
@@ -5629,12 +5724,16 @@
             </a:r>
           </a:p>
           <a:p>
+            <a:pPr algn="just"/>
             <a:r>
               <a:rPr lang="en-US" dirty="0"/>
               <a:t>Syntax of JSP expression tag</a:t>
             </a:r>
           </a:p>
           <a:p>
+            <a:pPr algn="just">
+              <a:buNone/>
+            </a:pPr>
             <a:r>
               <a:rPr lang="en-US" b="1" dirty="0"/>
               <a:t>&lt;</a:t>
@@ -5653,12 +5752,18 @@
             </a:r>
           </a:p>
           <a:p>
+            <a:pPr algn="just">
+              <a:buNone/>
+            </a:pPr>
             <a:r>
               <a:rPr lang="en-US" dirty="0"/>
               <a:t>Example of JSP expression tag</a:t>
             </a:r>
           </a:p>
           <a:p>
+            <a:pPr algn="just">
+              <a:buNone/>
+            </a:pPr>
             <a:r>
               <a:rPr lang="en-US" b="1" dirty="0"/>
               <a:t>&lt;html&gt;</a:t>
@@ -5669,6 +5774,9 @@
             </a:r>
           </a:p>
           <a:p>
+            <a:pPr algn="just">
+              <a:buNone/>
+            </a:pPr>
             <a:r>
               <a:rPr lang="en-US" b="1" dirty="0"/>
               <a:t>&lt;body&gt;</a:t>
@@ -5679,6 +5787,9 @@
             </a:r>
           </a:p>
           <a:p>
+            <a:pPr algn="just">
+              <a:buNone/>
+            </a:pPr>
             <a:r>
               <a:rPr lang="en-US" b="1" dirty="0"/>
               <a:t>&lt;</a:t>
@@ -5705,6 +5816,9 @@
             </a:r>
           </a:p>
           <a:p>
+            <a:pPr algn="just">
+              <a:buNone/>
+            </a:pPr>
             <a:r>
               <a:rPr lang="en-US" b="1" dirty="0"/>
               <a:t>&lt;/body&gt;</a:t>
@@ -5715,6 +5829,9 @@
             </a:r>
           </a:p>
           <a:p>
+            <a:pPr algn="just">
+              <a:buNone/>
+            </a:pPr>
             <a:r>
               <a:rPr lang="en-US" b="1" dirty="0"/>
               <a:t>&lt;/html&gt;</a:t>
@@ -5725,12 +5842,13 @@
             </a:r>
           </a:p>
           <a:p>
-            <a:r>
-              <a:rPr lang="en-US" dirty="0"/>
-              <a:t> </a:t>
-            </a:r>
-          </a:p>
-          <a:p>
+            <a:pPr algn="just">
+              <a:buNone/>
+            </a:pPr>
+            <a:endParaRPr lang="en-US" dirty="0"/>
+          </a:p>
+          <a:p>
+            <a:pPr algn="just"/>
             <a:endParaRPr lang="en-US" dirty="0"/>
           </a:p>
         </p:txBody>
@@ -5738,7 +5856,7 @@
     </p:spTree>
     <p:extLst>
       <p:ext uri="{BB962C8B-B14F-4D97-AF65-F5344CB8AC3E}">
-        <p14:creationId xmlns:p14="http://schemas.microsoft.com/office/powerpoint/2010/main" val="979717332"/>
+        <p14:creationId xmlns:p14="http://schemas.microsoft.com/office/powerpoint/2010/main" xmlns="" val="979717332"/>
       </p:ext>
     </p:extLst>
   </p:cSld>
@@ -5770,7 +5888,7 @@
           <p:cNvPr id="2" name="Title 1">
             <a:extLst>
               <a:ext uri="{FF2B5EF4-FFF2-40B4-BE49-F238E27FC236}">
-                <a16:creationId xmlns:a16="http://schemas.microsoft.com/office/drawing/2014/main" id="{E1A9363A-F999-4F1C-A157-8DDECEB7BD31}"/>
+                <a16:creationId xmlns:a16="http://schemas.microsoft.com/office/drawing/2014/main" xmlns="" id="{E1A9363A-F999-4F1C-A157-8DDECEB7BD31}"/>
               </a:ext>
             </a:extLst>
           </p:cNvPr>
@@ -5788,9 +5906,17 @@
           </a:bodyPr>
           <a:lstStyle/>
           <a:p>
+            <a:r>
+              <a:rPr lang="en-US" dirty="0"/>
+              <a:t/>
+            </a:r>
             <a:br>
               <a:rPr lang="en-US" dirty="0"/>
             </a:br>
+            <a:r>
+              <a:rPr lang="en-US" dirty="0"/>
+              <a:t/>
+            </a:r>
             <a:br>
               <a:rPr lang="en-US" dirty="0"/>
             </a:br>
@@ -5801,9 +5927,17 @@
             <a:br>
               <a:rPr lang="en-US" dirty="0"/>
             </a:br>
+            <a:r>
+              <a:rPr lang="en-US" dirty="0"/>
+              <a:t/>
+            </a:r>
             <a:br>
               <a:rPr lang="en-US" dirty="0"/>
             </a:br>
+            <a:r>
+              <a:rPr lang="en-US" dirty="0"/>
+              <a:t/>
+            </a:r>
             <a:br>
               <a:rPr lang="en-US" dirty="0"/>
             </a:br>
@@ -5816,7 +5950,7 @@
           <p:cNvPr id="4" name="Content Placeholder 3">
             <a:extLst>
               <a:ext uri="{FF2B5EF4-FFF2-40B4-BE49-F238E27FC236}">
-                <a16:creationId xmlns:a16="http://schemas.microsoft.com/office/drawing/2014/main" id="{20D691CE-A396-45A5-9EF7-F0E547BA2A20}"/>
+                <a16:creationId xmlns:a16="http://schemas.microsoft.com/office/drawing/2014/main" xmlns="" id="{20D691CE-A396-45A5-9EF7-F0E547BA2A20}"/>
               </a:ext>
             </a:extLst>
           </p:cNvPr>
@@ -5827,10 +5961,15 @@
             <p:ph idx="1"/>
           </p:nvPr>
         </p:nvSpPr>
-        <p:spPr/>
+        <p:spPr>
+          <a:xfrm>
+            <a:off x="838200" y="1351722"/>
+            <a:ext cx="10515600" cy="4825241"/>
+          </a:xfrm>
+        </p:spPr>
         <p:txBody>
           <a:bodyPr>
-            <a:normAutofit fontScale="55000" lnSpcReduction="20000"/>
+            <a:normAutofit fontScale="77500" lnSpcReduction="20000"/>
           </a:bodyPr>
           <a:lstStyle/>
           <a:p>
@@ -5882,6 +6021,9 @@
             </a:r>
           </a:p>
           <a:p>
+            <a:pPr>
+              <a:buNone/>
+            </a:pPr>
             <a:r>
               <a:rPr lang="en-US" b="1" dirty="0"/>
               <a:t>&lt;</a:t>
@@ -5906,6 +6048,9 @@
             </a:r>
           </a:p>
           <a:p>
+            <a:pPr>
+              <a:buNone/>
+            </a:pPr>
             <a:r>
               <a:rPr lang="en-US" b="1" dirty="0"/>
               <a:t>&lt;html&gt;</a:t>
@@ -5916,6 +6061,9 @@
             </a:r>
           </a:p>
           <a:p>
+            <a:pPr>
+              <a:buNone/>
+            </a:pPr>
             <a:r>
               <a:rPr lang="en-US" b="1" dirty="0"/>
               <a:t>&lt;body&gt;</a:t>
@@ -5926,6 +6074,9 @@
             </a:r>
           </a:p>
           <a:p>
+            <a:pPr>
+              <a:buNone/>
+            </a:pPr>
             <a:r>
               <a:rPr lang="en-US" b="1" dirty="0"/>
               <a:t>&lt;</a:t>
@@ -5944,6 +6095,9 @@
             </a:r>
           </a:p>
           <a:p>
+            <a:pPr>
+              <a:buNone/>
+            </a:pPr>
             <a:r>
               <a:rPr lang="en-US" b="1" dirty="0"/>
               <a:t>&lt;</a:t>
@@ -5962,6 +6116,9 @@
             </a:r>
           </a:p>
           <a:p>
+            <a:pPr>
+              <a:buNone/>
+            </a:pPr>
             <a:r>
               <a:rPr lang="en-US" b="1" dirty="0"/>
               <a:t>&lt;/body&gt;</a:t>
@@ -5972,6 +6129,9 @@
             </a:r>
           </a:p>
           <a:p>
+            <a:pPr>
+              <a:buNone/>
+            </a:pPr>
             <a:r>
               <a:rPr lang="en-US" b="1" dirty="0"/>
               <a:t>&lt;/html&gt;</a:t>
@@ -5980,8 +6140,6 @@
               <a:rPr lang="en-US" dirty="0"/>
               <a:t>  </a:t>
             </a:r>
-          </a:p>
-          <a:p>
             <a:br>
               <a:rPr lang="en-US" dirty="0"/>
             </a:br>
@@ -5998,7 +6156,7 @@
     </p:spTree>
     <p:extLst>
       <p:ext uri="{BB962C8B-B14F-4D97-AF65-F5344CB8AC3E}">
-        <p14:creationId xmlns:p14="http://schemas.microsoft.com/office/powerpoint/2010/main" val="2076271988"/>
+        <p14:creationId xmlns:p14="http://schemas.microsoft.com/office/powerpoint/2010/main" xmlns="" val="2076271988"/>
       </p:ext>
     </p:extLst>
   </p:cSld>
@@ -6030,7 +6188,7 @@
           <p:cNvPr id="2" name="Title 1">
             <a:extLst>
               <a:ext uri="{FF2B5EF4-FFF2-40B4-BE49-F238E27FC236}">
-                <a16:creationId xmlns:a16="http://schemas.microsoft.com/office/drawing/2014/main" id="{E1A9363A-F999-4F1C-A157-8DDECEB7BD31}"/>
+                <a16:creationId xmlns:a16="http://schemas.microsoft.com/office/drawing/2014/main" xmlns="" id="{E1A9363A-F999-4F1C-A157-8DDECEB7BD31}"/>
               </a:ext>
             </a:extLst>
           </p:cNvPr>
@@ -6048,26 +6206,42 @@
           </a:bodyPr>
           <a:lstStyle/>
           <a:p>
+            <a:r>
+              <a:rPr lang="en-US" b="1" dirty="0"/>
+              <a:t/>
+            </a:r>
             <a:br>
-              <a:rPr lang="en-US" dirty="0"/>
+              <a:rPr lang="en-US" b="1" dirty="0"/>
             </a:br>
+            <a:r>
+              <a:rPr lang="en-US" b="1" dirty="0"/>
+              <a:t/>
+            </a:r>
             <a:br>
-              <a:rPr lang="en-US" dirty="0"/>
+              <a:rPr lang="en-US" b="1" dirty="0"/>
             </a:br>
             <a:r>
-              <a:rPr lang="en-US" dirty="0"/>
+              <a:rPr lang="en-US" b="1" dirty="0"/>
               <a:t>JSP Implicit Objects</a:t>
             </a:r>
             <a:br>
-              <a:rPr lang="en-US" dirty="0"/>
+              <a:rPr lang="en-US" b="1" dirty="0"/>
             </a:br>
+            <a:r>
+              <a:rPr lang="en-US" b="1" dirty="0"/>
+              <a:t/>
+            </a:r>
             <a:br>
-              <a:rPr lang="en-US" dirty="0"/>
+              <a:rPr lang="en-US" b="1" dirty="0"/>
             </a:br>
+            <a:r>
+              <a:rPr lang="en-US" b="1" dirty="0"/>
+              <a:t/>
+            </a:r>
             <a:br>
-              <a:rPr lang="en-US" dirty="0"/>
+              <a:rPr lang="en-US" b="1" dirty="0"/>
             </a:br>
-            <a:endParaRPr lang="en-IN" dirty="0"/>
+            <a:endParaRPr lang="en-IN" b="1" dirty="0"/>
           </a:p>
         </p:txBody>
       </p:sp>
@@ -6076,7 +6250,7 @@
           <p:cNvPr id="4" name="Content Placeholder 3">
             <a:extLst>
               <a:ext uri="{FF2B5EF4-FFF2-40B4-BE49-F238E27FC236}">
-                <a16:creationId xmlns:a16="http://schemas.microsoft.com/office/drawing/2014/main" id="{20D691CE-A396-45A5-9EF7-F0E547BA2A20}"/>
+                <a16:creationId xmlns:a16="http://schemas.microsoft.com/office/drawing/2014/main" xmlns="" id="{20D691CE-A396-45A5-9EF7-F0E547BA2A20}"/>
               </a:ext>
             </a:extLst>
           </p:cNvPr>
@@ -6087,7 +6261,12 @@
             <p:ph idx="1"/>
           </p:nvPr>
         </p:nvSpPr>
-        <p:spPr/>
+        <p:spPr>
+          <a:xfrm>
+            <a:off x="798443" y="1603513"/>
+            <a:ext cx="10515600" cy="4666215"/>
+          </a:xfrm>
+        </p:spPr>
         <p:txBody>
           <a:bodyPr>
             <a:normAutofit/>
@@ -6140,16 +6319,16 @@
           <a:p>
             <a:r>
               <a:rPr lang="en-US" dirty="0"/>
-              <a:t>A list of the 9 implicit objects is given below:</a:t>
-            </a:r>
-          </a:p>
-          <a:p>
-            <a:r>
-              <a:rPr lang="en-US" dirty="0"/>
-              <a:t>  </a:t>
-            </a:r>
-          </a:p>
-          <a:p>
+              <a:t>A list of the 9 implicit objects is given below</a:t>
+            </a:r>
+            <a:r>
+              <a:rPr lang="en-US" dirty="0" smtClean="0"/>
+              <a:t>:</a:t>
+            </a:r>
+            <a:r>
+              <a:rPr lang="en-US" dirty="0"/>
+              <a:t/>
+            </a:r>
             <a:br>
               <a:rPr lang="en-US" dirty="0"/>
             </a:br>
@@ -6166,7 +6345,7 @@
     </p:spTree>
     <p:extLst>
       <p:ext uri="{BB962C8B-B14F-4D97-AF65-F5344CB8AC3E}">
-        <p14:creationId xmlns:p14="http://schemas.microsoft.com/office/powerpoint/2010/main" val="807473626"/>
+        <p14:creationId xmlns:p14="http://schemas.microsoft.com/office/powerpoint/2010/main" xmlns="" val="807473626"/>
       </p:ext>
     </p:extLst>
   </p:cSld>
@@ -6198,7 +6377,7 @@
           <p:cNvPr id="2" name="Title 1">
             <a:extLst>
               <a:ext uri="{FF2B5EF4-FFF2-40B4-BE49-F238E27FC236}">
-                <a16:creationId xmlns:a16="http://schemas.microsoft.com/office/drawing/2014/main" id="{E1A9363A-F999-4F1C-A157-8DDECEB7BD31}"/>
+                <a16:creationId xmlns:a16="http://schemas.microsoft.com/office/drawing/2014/main" xmlns="" id="{E1A9363A-F999-4F1C-A157-8DDECEB7BD31}"/>
               </a:ext>
             </a:extLst>
           </p:cNvPr>
@@ -6216,26 +6395,42 @@
           </a:bodyPr>
           <a:lstStyle/>
           <a:p>
+            <a:r>
+              <a:rPr lang="en-US" b="1" dirty="0"/>
+              <a:t/>
+            </a:r>
             <a:br>
-              <a:rPr lang="en-US" dirty="0"/>
+              <a:rPr lang="en-US" b="1" dirty="0"/>
             </a:br>
+            <a:r>
+              <a:rPr lang="en-US" b="1" dirty="0"/>
+              <a:t/>
+            </a:r>
             <a:br>
-              <a:rPr lang="en-US" dirty="0"/>
+              <a:rPr lang="en-US" b="1" dirty="0"/>
             </a:br>
             <a:r>
-              <a:rPr lang="en-US" dirty="0"/>
+              <a:rPr lang="en-US" b="1" dirty="0"/>
               <a:t>JSP Implicit Objects</a:t>
             </a:r>
             <a:br>
-              <a:rPr lang="en-US" dirty="0"/>
+              <a:rPr lang="en-US" b="1" dirty="0"/>
             </a:br>
+            <a:r>
+              <a:rPr lang="en-US" b="1" dirty="0"/>
+              <a:t/>
+            </a:r>
             <a:br>
-              <a:rPr lang="en-US" dirty="0"/>
+              <a:rPr lang="en-US" b="1" dirty="0"/>
             </a:br>
+            <a:r>
+              <a:rPr lang="en-US" b="1" dirty="0"/>
+              <a:t/>
+            </a:r>
             <a:br>
-              <a:rPr lang="en-US" dirty="0"/>
+              <a:rPr lang="en-US" b="1" dirty="0"/>
             </a:br>
-            <a:endParaRPr lang="en-IN" dirty="0"/>
+            <a:endParaRPr lang="en-IN" b="1" dirty="0"/>
           </a:p>
         </p:txBody>
       </p:sp>
@@ -6244,7 +6439,7 @@
           <p:cNvPr id="4" name="Content Placeholder 3">
             <a:extLst>
               <a:ext uri="{FF2B5EF4-FFF2-40B4-BE49-F238E27FC236}">
-                <a16:creationId xmlns:a16="http://schemas.microsoft.com/office/drawing/2014/main" id="{20D691CE-A396-45A5-9EF7-F0E547BA2A20}"/>
+                <a16:creationId xmlns:a16="http://schemas.microsoft.com/office/drawing/2014/main" xmlns="" id="{20D691CE-A396-45A5-9EF7-F0E547BA2A20}"/>
               </a:ext>
             </a:extLst>
           </p:cNvPr>
@@ -6255,19 +6450,34 @@
             <p:ph idx="1"/>
           </p:nvPr>
         </p:nvSpPr>
-        <p:spPr/>
+        <p:spPr>
+          <a:xfrm>
+            <a:off x="838200" y="1378226"/>
+            <a:ext cx="10515600" cy="4798737"/>
+          </a:xfrm>
+        </p:spPr>
         <p:txBody>
           <a:bodyPr>
             <a:normAutofit/>
           </a:bodyPr>
           <a:lstStyle/>
           <a:p>
+            <a:pPr>
+              <a:buNone/>
+            </a:pPr>
             <a:r>
               <a:rPr lang="en-US" dirty="0"/>
               <a:t>  </a:t>
             </a:r>
           </a:p>
           <a:p>
+            <a:pPr>
+              <a:buNone/>
+            </a:pPr>
+            <a:r>
+              <a:rPr lang="en-US" dirty="0"/>
+              <a:t/>
+            </a:r>
             <a:br>
               <a:rPr lang="en-US" dirty="0"/>
             </a:br>
@@ -6286,7 +6496,7 @@
           <p:cNvPr id="3" name="Table 2">
             <a:extLst>
               <a:ext uri="{FF2B5EF4-FFF2-40B4-BE49-F238E27FC236}">
-                <a16:creationId xmlns:a16="http://schemas.microsoft.com/office/drawing/2014/main" id="{E3F7C5BE-95B0-404C-8952-73122CB5170B}"/>
+                <a16:creationId xmlns:a16="http://schemas.microsoft.com/office/drawing/2014/main" xmlns="" id="{E3F7C5BE-95B0-404C-8952-73122CB5170B}"/>
               </a:ext>
             </a:extLst>
           </p:cNvPr>
@@ -6296,7 +6506,7 @@
           <p:nvPr>
             <p:extLst>
               <p:ext uri="{D42A27DB-BD31-4B8C-83A1-F6EECF244321}">
-                <p14:modId xmlns:p14="http://schemas.microsoft.com/office/powerpoint/2010/main" val="797509373"/>
+                <p14:modId xmlns:p14="http://schemas.microsoft.com/office/powerpoint/2010/main" xmlns="" val="797509373"/>
               </p:ext>
             </p:extLst>
           </p:nvPr>
@@ -6313,14 +6523,14 @@
                 <a:gridCol w="3610947">
                   <a:extLst>
                     <a:ext uri="{9D8B030D-6E8A-4147-A177-3AD203B41FA5}">
-                      <a16:colId xmlns:a16="http://schemas.microsoft.com/office/drawing/2014/main" val="4087043233"/>
+                      <a16:colId xmlns:a16="http://schemas.microsoft.com/office/drawing/2014/main" xmlns="" val="4087043233"/>
                     </a:ext>
                   </a:extLst>
                 </a:gridCol>
                 <a:gridCol w="3610947">
                   <a:extLst>
                     <a:ext uri="{9D8B030D-6E8A-4147-A177-3AD203B41FA5}">
-                      <a16:colId xmlns:a16="http://schemas.microsoft.com/office/drawing/2014/main" val="631468145"/>
+                      <a16:colId xmlns:a16="http://schemas.microsoft.com/office/drawing/2014/main" xmlns="" val="631468145"/>
                     </a:ext>
                   </a:extLst>
                 </a:gridCol>
@@ -6333,7 +6543,7 @@
                     <a:p>
                       <a:pPr algn="l" fontAlgn="t"/>
                       <a:r>
-                        <a:rPr lang="en-US">
+                        <a:rPr lang="en-US" dirty="0">
                           <a:solidFill>
                             <a:srgbClr val="000000"/>
                           </a:solidFill>
@@ -6393,7 +6603,7 @@
                     <a:p>
                       <a:pPr algn="l" fontAlgn="t"/>
                       <a:r>
-                        <a:rPr lang="en-US">
+                        <a:rPr lang="en-US" dirty="0">
                           <a:solidFill>
                             <a:srgbClr val="000000"/>
                           </a:solidFill>
@@ -6448,7 +6658,7 @@
                 </a:tc>
                 <a:extLst>
                   <a:ext uri="{0D108BD9-81ED-4DB2-BD59-A6C34878D82A}">
-                    <a16:rowId xmlns:a16="http://schemas.microsoft.com/office/drawing/2014/main" val="3000806718"/>
+                    <a16:rowId xmlns:a16="http://schemas.microsoft.com/office/drawing/2014/main" xmlns="" val="3000806718"/>
                   </a:ext>
                 </a:extLst>
               </a:tr>
@@ -6575,7 +6785,7 @@
                 </a:tc>
                 <a:extLst>
                   <a:ext uri="{0D108BD9-81ED-4DB2-BD59-A6C34878D82A}">
-                    <a16:rowId xmlns:a16="http://schemas.microsoft.com/office/drawing/2014/main" val="171102130"/>
+                    <a16:rowId xmlns:a16="http://schemas.microsoft.com/office/drawing/2014/main" xmlns="" val="171102130"/>
                   </a:ext>
                 </a:extLst>
               </a:tr>
@@ -6702,7 +6912,7 @@
                 </a:tc>
                 <a:extLst>
                   <a:ext uri="{0D108BD9-81ED-4DB2-BD59-A6C34878D82A}">
-                    <a16:rowId xmlns:a16="http://schemas.microsoft.com/office/drawing/2014/main" val="2955906953"/>
+                    <a16:rowId xmlns:a16="http://schemas.microsoft.com/office/drawing/2014/main" xmlns="" val="2955906953"/>
                   </a:ext>
                 </a:extLst>
               </a:tr>
@@ -6829,7 +7039,7 @@
                 </a:tc>
                 <a:extLst>
                   <a:ext uri="{0D108BD9-81ED-4DB2-BD59-A6C34878D82A}">
-                    <a16:rowId xmlns:a16="http://schemas.microsoft.com/office/drawing/2014/main" val="1897341744"/>
+                    <a16:rowId xmlns:a16="http://schemas.microsoft.com/office/drawing/2014/main" xmlns="" val="1897341744"/>
                   </a:ext>
                 </a:extLst>
               </a:tr>
@@ -6956,7 +7166,7 @@
                 </a:tc>
                 <a:extLst>
                   <a:ext uri="{0D108BD9-81ED-4DB2-BD59-A6C34878D82A}">
-                    <a16:rowId xmlns:a16="http://schemas.microsoft.com/office/drawing/2014/main" val="590432818"/>
+                    <a16:rowId xmlns:a16="http://schemas.microsoft.com/office/drawing/2014/main" xmlns="" val="590432818"/>
                   </a:ext>
                 </a:extLst>
               </a:tr>
@@ -7083,7 +7293,7 @@
                 </a:tc>
                 <a:extLst>
                   <a:ext uri="{0D108BD9-81ED-4DB2-BD59-A6C34878D82A}">
-                    <a16:rowId xmlns:a16="http://schemas.microsoft.com/office/drawing/2014/main" val="60083005"/>
+                    <a16:rowId xmlns:a16="http://schemas.microsoft.com/office/drawing/2014/main" xmlns="" val="60083005"/>
                   </a:ext>
                 </a:extLst>
               </a:tr>
@@ -7210,7 +7420,7 @@
                 </a:tc>
                 <a:extLst>
                   <a:ext uri="{0D108BD9-81ED-4DB2-BD59-A6C34878D82A}">
-                    <a16:rowId xmlns:a16="http://schemas.microsoft.com/office/drawing/2014/main" val="790159500"/>
+                    <a16:rowId xmlns:a16="http://schemas.microsoft.com/office/drawing/2014/main" xmlns="" val="790159500"/>
                   </a:ext>
                 </a:extLst>
               </a:tr>
@@ -7337,7 +7547,7 @@
                 </a:tc>
                 <a:extLst>
                   <a:ext uri="{0D108BD9-81ED-4DB2-BD59-A6C34878D82A}">
-                    <a16:rowId xmlns:a16="http://schemas.microsoft.com/office/drawing/2014/main" val="1546124526"/>
+                    <a16:rowId xmlns:a16="http://schemas.microsoft.com/office/drawing/2014/main" xmlns="" val="1546124526"/>
                   </a:ext>
                 </a:extLst>
               </a:tr>
@@ -7464,7 +7674,7 @@
                 </a:tc>
                 <a:extLst>
                   <a:ext uri="{0D108BD9-81ED-4DB2-BD59-A6C34878D82A}">
-                    <a16:rowId xmlns:a16="http://schemas.microsoft.com/office/drawing/2014/main" val="1875121041"/>
+                    <a16:rowId xmlns:a16="http://schemas.microsoft.com/office/drawing/2014/main" xmlns="" val="1875121041"/>
                   </a:ext>
                 </a:extLst>
               </a:tr>
@@ -7591,7 +7801,7 @@
                 </a:tc>
                 <a:extLst>
                   <a:ext uri="{0D108BD9-81ED-4DB2-BD59-A6C34878D82A}">
-                    <a16:rowId xmlns:a16="http://schemas.microsoft.com/office/drawing/2014/main" val="634899992"/>
+                    <a16:rowId xmlns:a16="http://schemas.microsoft.com/office/drawing/2014/main" xmlns="" val="634899992"/>
                   </a:ext>
                 </a:extLst>
               </a:tr>
@@ -7602,7 +7812,7 @@
     </p:spTree>
     <p:extLst>
       <p:ext uri="{BB962C8B-B14F-4D97-AF65-F5344CB8AC3E}">
-        <p14:creationId xmlns:p14="http://schemas.microsoft.com/office/powerpoint/2010/main" val="4017715168"/>
+        <p14:creationId xmlns:p14="http://schemas.microsoft.com/office/powerpoint/2010/main" xmlns="" val="4017715168"/>
       </p:ext>
     </p:extLst>
   </p:cSld>
@@ -7634,7 +7844,7 @@
           <p:cNvPr id="2" name="Title 1">
             <a:extLst>
               <a:ext uri="{FF2B5EF4-FFF2-40B4-BE49-F238E27FC236}">
-                <a16:creationId xmlns:a16="http://schemas.microsoft.com/office/drawing/2014/main" id="{E1A9363A-F999-4F1C-A157-8DDECEB7BD31}"/>
+                <a16:creationId xmlns:a16="http://schemas.microsoft.com/office/drawing/2014/main" xmlns="" id="{E1A9363A-F999-4F1C-A157-8DDECEB7BD31}"/>
               </a:ext>
             </a:extLst>
           </p:cNvPr>
@@ -7652,22 +7862,46 @@
           </a:bodyPr>
           <a:lstStyle/>
           <a:p>
+            <a:r>
+              <a:rPr lang="en-US" dirty="0"/>
+              <a:t/>
+            </a:r>
             <a:br>
               <a:rPr lang="en-US" dirty="0"/>
             </a:br>
+            <a:r>
+              <a:rPr lang="en-US" dirty="0"/>
+              <a:t/>
+            </a:r>
             <a:br>
               <a:rPr lang="en-US" dirty="0"/>
             </a:br>
             <a:r>
               <a:rPr lang="en-US" dirty="0"/>
-              <a:t>JSP Directives</a:t>
+              <a:t>JSP </a:t>
+            </a:r>
+            <a:r>
+              <a:rPr lang="en-US" b="1" dirty="0"/>
+              <a:t>Directives</a:t>
+            </a:r>
+            <a:r>
+              <a:rPr lang="en-US" dirty="0"/>
+              <a:t/>
             </a:r>
             <a:br>
               <a:rPr lang="en-US" dirty="0"/>
             </a:br>
+            <a:r>
+              <a:rPr lang="en-US" dirty="0"/>
+              <a:t/>
+            </a:r>
             <a:br>
               <a:rPr lang="en-US" dirty="0"/>
             </a:br>
+            <a:r>
+              <a:rPr lang="en-US" dirty="0"/>
+              <a:t/>
+            </a:r>
             <a:br>
               <a:rPr lang="en-US" dirty="0"/>
             </a:br>
@@ -7680,7 +7914,7 @@
           <p:cNvPr id="4" name="Content Placeholder 3">
             <a:extLst>
               <a:ext uri="{FF2B5EF4-FFF2-40B4-BE49-F238E27FC236}">
-                <a16:creationId xmlns:a16="http://schemas.microsoft.com/office/drawing/2014/main" id="{20D691CE-A396-45A5-9EF7-F0E547BA2A20}"/>
+                <a16:creationId xmlns:a16="http://schemas.microsoft.com/office/drawing/2014/main" xmlns="" id="{20D691CE-A396-45A5-9EF7-F0E547BA2A20}"/>
               </a:ext>
             </a:extLst>
           </p:cNvPr>
@@ -7694,7 +7928,7 @@
         <p:spPr/>
         <p:txBody>
           <a:bodyPr>
-            <a:normAutofit fontScale="92500" lnSpcReduction="10000"/>
+            <a:normAutofit lnSpcReduction="10000"/>
           </a:bodyPr>
           <a:lstStyle/>
           <a:p>
@@ -7722,18 +7956,21 @@
             </a:r>
           </a:p>
           <a:p>
+            <a:pPr lvl="1"/>
             <a:r>
               <a:rPr lang="en-US" dirty="0"/>
               <a:t>page directive</a:t>
             </a:r>
           </a:p>
           <a:p>
+            <a:pPr lvl="1"/>
             <a:r>
               <a:rPr lang="en-US" dirty="0"/>
               <a:t>include directive</a:t>
             </a:r>
           </a:p>
           <a:p>
+            <a:pPr lvl="1"/>
             <a:r>
               <a:rPr lang="en-US" dirty="0" err="1"/>
               <a:t>taglib</a:t>
@@ -7750,12 +7987,22 @@
             </a:r>
           </a:p>
           <a:p>
+            <a:pPr>
+              <a:buNone/>
+            </a:pPr>
             <a:r>
               <a:rPr lang="en-US" dirty="0"/>
               <a:t>&lt;%@ directive attribute="value" %&gt;  </a:t>
             </a:r>
           </a:p>
           <a:p>
+            <a:pPr>
+              <a:buNone/>
+            </a:pPr>
+            <a:r>
+              <a:rPr lang="en-US" dirty="0"/>
+              <a:t/>
+            </a:r>
             <a:br>
               <a:rPr lang="en-US" dirty="0"/>
             </a:br>
@@ -7772,7 +8019,7 @@
     </p:spTree>
     <p:extLst>
       <p:ext uri="{BB962C8B-B14F-4D97-AF65-F5344CB8AC3E}">
-        <p14:creationId xmlns:p14="http://schemas.microsoft.com/office/powerpoint/2010/main" val="624192962"/>
+        <p14:creationId xmlns:p14="http://schemas.microsoft.com/office/powerpoint/2010/main" xmlns="" val="624192962"/>
       </p:ext>
     </p:extLst>
   </p:cSld>
@@ -7804,7 +8051,7 @@
           <p:cNvPr id="2" name="Title 1">
             <a:extLst>
               <a:ext uri="{FF2B5EF4-FFF2-40B4-BE49-F238E27FC236}">
-                <a16:creationId xmlns:a16="http://schemas.microsoft.com/office/drawing/2014/main" id="{E1A9363A-F999-4F1C-A157-8DDECEB7BD31}"/>
+                <a16:creationId xmlns:a16="http://schemas.microsoft.com/office/drawing/2014/main" xmlns="" id="{E1A9363A-F999-4F1C-A157-8DDECEB7BD31}"/>
               </a:ext>
             </a:extLst>
           </p:cNvPr>
@@ -7822,26 +8069,42 @@
           </a:bodyPr>
           <a:lstStyle/>
           <a:p>
+            <a:r>
+              <a:rPr lang="en-US" b="1" dirty="0"/>
+              <a:t/>
+            </a:r>
             <a:br>
-              <a:rPr lang="en-US" dirty="0"/>
+              <a:rPr lang="en-US" b="1" dirty="0"/>
             </a:br>
+            <a:r>
+              <a:rPr lang="en-US" b="1" dirty="0"/>
+              <a:t/>
+            </a:r>
             <a:br>
-              <a:rPr lang="en-US" dirty="0"/>
+              <a:rPr lang="en-US" b="1" dirty="0"/>
             </a:br>
             <a:r>
-              <a:rPr lang="en-US" dirty="0"/>
+              <a:rPr lang="en-US" b="1" dirty="0"/>
               <a:t>JSP Page Directive</a:t>
             </a:r>
             <a:br>
-              <a:rPr lang="en-US" dirty="0"/>
+              <a:rPr lang="en-US" b="1" dirty="0"/>
             </a:br>
+            <a:r>
+              <a:rPr lang="en-US" b="1" dirty="0"/>
+              <a:t/>
+            </a:r>
             <a:br>
-              <a:rPr lang="en-US" dirty="0"/>
+              <a:rPr lang="en-US" b="1" dirty="0"/>
             </a:br>
+            <a:r>
+              <a:rPr lang="en-US" b="1" dirty="0"/>
+              <a:t/>
+            </a:r>
             <a:br>
-              <a:rPr lang="en-US" dirty="0"/>
+              <a:rPr lang="en-US" b="1" dirty="0"/>
             </a:br>
-            <a:endParaRPr lang="en-IN" dirty="0"/>
+            <a:endParaRPr lang="en-IN" b="1" dirty="0"/>
           </a:p>
         </p:txBody>
       </p:sp>
@@ -7850,7 +8113,7 @@
           <p:cNvPr id="4" name="Content Placeholder 3">
             <a:extLst>
               <a:ext uri="{FF2B5EF4-FFF2-40B4-BE49-F238E27FC236}">
-                <a16:creationId xmlns:a16="http://schemas.microsoft.com/office/drawing/2014/main" id="{20D691CE-A396-45A5-9EF7-F0E547BA2A20}"/>
+                <a16:creationId xmlns:a16="http://schemas.microsoft.com/office/drawing/2014/main" xmlns="" id="{20D691CE-A396-45A5-9EF7-F0E547BA2A20}"/>
               </a:ext>
             </a:extLst>
           </p:cNvPr>
@@ -7861,10 +8124,15 @@
             <p:ph idx="1"/>
           </p:nvPr>
         </p:nvSpPr>
-        <p:spPr/>
+        <p:spPr>
+          <a:xfrm>
+            <a:off x="771939" y="1577008"/>
+            <a:ext cx="10515600" cy="4785485"/>
+          </a:xfrm>
+        </p:spPr>
         <p:txBody>
           <a:bodyPr>
-            <a:normAutofit fontScale="55000" lnSpcReduction="20000"/>
+            <a:normAutofit fontScale="77500" lnSpcReduction="20000"/>
           </a:bodyPr>
           <a:lstStyle/>
           <a:p>
@@ -7880,42 +8148,67 @@
             </a:r>
           </a:p>
           <a:p>
+            <a:pPr>
+              <a:buNone/>
+            </a:pPr>
             <a:r>
               <a:rPr lang="en-US" dirty="0"/>
               <a:t>Syntax of JSP page directive</a:t>
             </a:r>
           </a:p>
           <a:p>
-            <a:r>
-              <a:rPr lang="en-US" dirty="0"/>
-              <a:t>&lt;%@ page attribute="value" %&gt;    </a:t>
-            </a:r>
-          </a:p>
-          <a:p>
+            <a:pPr>
+              <a:buNone/>
+            </a:pPr>
+            <a:r>
+              <a:rPr lang="en-US" dirty="0" smtClean="0"/>
+              <a:t>	&lt;%@</a:t>
+            </a:r>
+            <a:r>
+              <a:rPr lang="en-US" dirty="0"/>
+              <a:t> page attribute="value" %&gt;    </a:t>
+            </a:r>
+          </a:p>
+          <a:p>
+            <a:pPr>
+              <a:buNone/>
+            </a:pPr>
             <a:r>
               <a:rPr lang="en-US" dirty="0"/>
               <a:t>Example of import attribute</a:t>
             </a:r>
           </a:p>
           <a:p>
+            <a:pPr>
+              <a:buNone/>
+            </a:pPr>
             <a:r>
               <a:rPr lang="en-US" dirty="0"/>
               <a:t>&lt;html&gt;  </a:t>
             </a:r>
           </a:p>
           <a:p>
+            <a:pPr>
+              <a:buNone/>
+            </a:pPr>
             <a:r>
               <a:rPr lang="en-US" dirty="0"/>
               <a:t>&lt;body&gt;  </a:t>
             </a:r>
           </a:p>
           <a:p>
+            <a:pPr>
+              <a:buNone/>
+            </a:pPr>
             <a:r>
               <a:rPr lang="en-US" dirty="0"/>
               <a:t>  </a:t>
             </a:r>
           </a:p>
           <a:p>
+            <a:pPr>
+              <a:buNone/>
+            </a:pPr>
             <a:r>
               <a:rPr lang="en-US" dirty="0"/>
               <a:t>&lt;%@ page </a:t>
@@ -7938,6 +8231,9 @@
             </a:r>
           </a:p>
           <a:p>
+            <a:pPr>
+              <a:buNone/>
+            </a:pPr>
             <a:r>
               <a:rPr lang="en-US" dirty="0"/>
               <a:t>Today is: &lt;%= </a:t>
@@ -7952,30 +8248,30 @@
             </a:r>
           </a:p>
           <a:p>
+            <a:pPr>
+              <a:buNone/>
+            </a:pPr>
             <a:r>
               <a:rPr lang="en-US" dirty="0"/>
               <a:t>  </a:t>
             </a:r>
           </a:p>
           <a:p>
+            <a:pPr>
+              <a:buNone/>
+            </a:pPr>
             <a:r>
               <a:rPr lang="en-US" dirty="0"/>
               <a:t>&lt;/body&gt;  </a:t>
             </a:r>
           </a:p>
           <a:p>
-            <a:r>
-              <a:rPr lang="en-US" dirty="0"/>
-              <a:t>&lt;/html&gt;  </a:t>
-            </a:r>
-          </a:p>
-          <a:p>
-            <a:br>
-              <a:rPr lang="en-US" dirty="0"/>
-            </a:br>
-            <a:r>
-              <a:rPr lang="en-US" dirty="0"/>
-              <a:t> </a:t>
+            <a:pPr>
+              <a:buNone/>
+            </a:pPr>
+            <a:r>
+              <a:rPr lang="en-US" dirty="0"/>
+              <a:t>&lt;/html&gt;   </a:t>
             </a:r>
           </a:p>
           <a:p>
@@ -7986,7 +8282,7 @@
     </p:spTree>
     <p:extLst>
       <p:ext uri="{BB962C8B-B14F-4D97-AF65-F5344CB8AC3E}">
-        <p14:creationId xmlns:p14="http://schemas.microsoft.com/office/powerpoint/2010/main" val="850255679"/>
+        <p14:creationId xmlns:p14="http://schemas.microsoft.com/office/powerpoint/2010/main" xmlns="" val="850255679"/>
       </p:ext>
     </p:extLst>
   </p:cSld>
@@ -8018,7 +8314,7 @@
           <p:cNvPr id="2" name="Title 1">
             <a:extLst>
               <a:ext uri="{FF2B5EF4-FFF2-40B4-BE49-F238E27FC236}">
-                <a16:creationId xmlns:a16="http://schemas.microsoft.com/office/drawing/2014/main" id="{E1A9363A-F999-4F1C-A157-8DDECEB7BD31}"/>
+                <a16:creationId xmlns:a16="http://schemas.microsoft.com/office/drawing/2014/main" xmlns="" id="{E1A9363A-F999-4F1C-A157-8DDECEB7BD31}"/>
               </a:ext>
             </a:extLst>
           </p:cNvPr>
@@ -8039,6 +8335,10 @@
           <a:bodyPr/>
           <a:lstStyle/>
           <a:p>
+            <a:r>
+              <a:rPr lang="en-IN" dirty="0" smtClean="0"/>
+              <a:t>Q&amp;A Session</a:t>
+            </a:r>
             <a:endParaRPr lang="en-IN" dirty="0"/>
           </a:p>
         </p:txBody>
@@ -8048,7 +8348,7 @@
           <p:cNvPr id="4" name="Content Placeholder 3">
             <a:extLst>
               <a:ext uri="{FF2B5EF4-FFF2-40B4-BE49-F238E27FC236}">
-                <a16:creationId xmlns:a16="http://schemas.microsoft.com/office/drawing/2014/main" id="{387D742D-38A5-44D3-8940-C29BC333E4DE}"/>
+                <a16:creationId xmlns:a16="http://schemas.microsoft.com/office/drawing/2014/main" xmlns="" id="{387D742D-38A5-44D3-8940-C29BC333E4DE}"/>
               </a:ext>
             </a:extLst>
           </p:cNvPr>
@@ -8136,7 +8436,7 @@
     </p:spTree>
     <p:extLst>
       <p:ext uri="{BB962C8B-B14F-4D97-AF65-F5344CB8AC3E}">
-        <p14:creationId xmlns:p14="http://schemas.microsoft.com/office/powerpoint/2010/main" val="3959915205"/>
+        <p14:creationId xmlns:p14="http://schemas.microsoft.com/office/powerpoint/2010/main" xmlns="" val="3959915205"/>
       </p:ext>
     </p:extLst>
   </p:cSld>
@@ -8168,7 +8468,7 @@
           <p:cNvPr id="2" name="Title 1">
             <a:extLst>
               <a:ext uri="{FF2B5EF4-FFF2-40B4-BE49-F238E27FC236}">
-                <a16:creationId xmlns:a16="http://schemas.microsoft.com/office/drawing/2014/main" id="{1A41D3BD-21ED-4200-A35D-5864E79FFE5E}"/>
+                <a16:creationId xmlns:a16="http://schemas.microsoft.com/office/drawing/2014/main" xmlns="" id="{1A41D3BD-21ED-4200-A35D-5864E79FFE5E}"/>
               </a:ext>
             </a:extLst>
           </p:cNvPr>
@@ -8186,8 +8486,13 @@
           <a:p>
             <a:r>
               <a:rPr lang="en-IN" dirty="0"/>
-              <a:t>Course Outline</a:t>
-            </a:r>
+              <a:t>Course </a:t>
+            </a:r>
+            <a:r>
+              <a:rPr lang="en-IN" dirty="0" smtClean="0"/>
+              <a:t>Outlines</a:t>
+            </a:r>
+            <a:endParaRPr lang="en-IN" dirty="0"/>
           </a:p>
         </p:txBody>
       </p:sp>
@@ -8196,7 +8501,7 @@
           <p:cNvPr id="3" name="Content Placeholder 2">
             <a:extLst>
               <a:ext uri="{FF2B5EF4-FFF2-40B4-BE49-F238E27FC236}">
-                <a16:creationId xmlns:a16="http://schemas.microsoft.com/office/drawing/2014/main" id="{70EAE32C-01B9-4D24-8F7D-680E6749ACEE}"/>
+                <a16:creationId xmlns:a16="http://schemas.microsoft.com/office/drawing/2014/main" xmlns="" id="{70EAE32C-01B9-4D24-8F7D-680E6749ACEE}"/>
               </a:ext>
             </a:extLst>
           </p:cNvPr>
@@ -8214,42 +8519,50 @@
           </a:bodyPr>
           <a:lstStyle/>
           <a:p>
+            <a:pPr algn="just"/>
             <a:r>
               <a:rPr lang="en-IN" dirty="0"/>
               <a:t>Introduction to Java Enterprise Edition (JEE)</a:t>
             </a:r>
           </a:p>
           <a:p>
+            <a:pPr algn="just"/>
             <a:r>
               <a:rPr lang="en-IN" dirty="0"/>
               <a:t>JEE Specification</a:t>
             </a:r>
           </a:p>
           <a:p>
+            <a:pPr algn="just"/>
             <a:r>
               <a:rPr lang="en-IN" dirty="0"/>
               <a:t>Servlets</a:t>
             </a:r>
           </a:p>
           <a:p>
+            <a:pPr algn="just"/>
             <a:r>
               <a:rPr lang="en-IN" dirty="0"/>
               <a:t>MVC</a:t>
             </a:r>
           </a:p>
           <a:p>
+            <a:pPr algn="just"/>
             <a:r>
               <a:rPr lang="en-IN" dirty="0"/>
               <a:t>JSP</a:t>
             </a:r>
           </a:p>
           <a:p>
+            <a:pPr algn="just"/>
             <a:endParaRPr lang="en-IN" dirty="0"/>
           </a:p>
           <a:p>
+            <a:pPr algn="just"/>
             <a:endParaRPr lang="en-IN" dirty="0"/>
           </a:p>
           <a:p>
+            <a:pPr algn="just"/>
             <a:endParaRPr lang="en-IN" dirty="0"/>
           </a:p>
         </p:txBody>
@@ -8257,7 +8570,7 @@
     </p:spTree>
     <p:extLst>
       <p:ext uri="{BB962C8B-B14F-4D97-AF65-F5344CB8AC3E}">
-        <p14:creationId xmlns:p14="http://schemas.microsoft.com/office/powerpoint/2010/main" val="3754997640"/>
+        <p14:creationId xmlns:p14="http://schemas.microsoft.com/office/powerpoint/2010/main" xmlns="" val="3754997640"/>
       </p:ext>
     </p:extLst>
   </p:cSld>
@@ -8289,7 +8602,7 @@
           <p:cNvPr id="2" name="Title 1">
             <a:extLst>
               <a:ext uri="{FF2B5EF4-FFF2-40B4-BE49-F238E27FC236}">
-                <a16:creationId xmlns:a16="http://schemas.microsoft.com/office/drawing/2014/main" id="{E1A9363A-F999-4F1C-A157-8DDECEB7BD31}"/>
+                <a16:creationId xmlns:a16="http://schemas.microsoft.com/office/drawing/2014/main" xmlns="" id="{E1A9363A-F999-4F1C-A157-8DDECEB7BD31}"/>
               </a:ext>
             </a:extLst>
           </p:cNvPr>
@@ -8317,7 +8630,7 @@
           <p:cNvPr id="4" name="Content Placeholder 3">
             <a:extLst>
               <a:ext uri="{FF2B5EF4-FFF2-40B4-BE49-F238E27FC236}">
-                <a16:creationId xmlns:a16="http://schemas.microsoft.com/office/drawing/2014/main" id="{387D742D-38A5-44D3-8940-C29BC333E4DE}"/>
+                <a16:creationId xmlns:a16="http://schemas.microsoft.com/office/drawing/2014/main" xmlns="" id="{387D742D-38A5-44D3-8940-C29BC333E4DE}"/>
               </a:ext>
             </a:extLst>
           </p:cNvPr>
@@ -8328,13 +8641,19 @@
             <p:ph idx="1"/>
           </p:nvPr>
         </p:nvSpPr>
-        <p:spPr/>
+        <p:spPr>
+          <a:xfrm>
+            <a:off x="838200" y="1640095"/>
+            <a:ext cx="10515600" cy="4351338"/>
+          </a:xfrm>
+        </p:spPr>
         <p:txBody>
           <a:bodyPr>
             <a:noAutofit/>
           </a:bodyPr>
           <a:lstStyle/>
           <a:p>
+            <a:pPr algn="just"/>
             <a:r>
               <a:rPr lang="en-US" dirty="0"/>
               <a:t>The </a:t>
@@ -8369,13 +8688,12 @@
             </a:r>
             <a:r>
               <a:rPr lang="en-US" dirty="0"/>
-              <a:t>. Examples of some contexts where Java EE is used are e-commerce, accounting, banking information systems.</a:t>
-            </a:r>
-          </a:p>
-          <a:p>
-            <a:br>
-              <a:rPr lang="en-US" sz="1400" dirty="0"/>
-            </a:br>
+              <a:t>. Examples of some contexts where Java EE is used are e-commerce, accounting, banking information systems</a:t>
+            </a:r>
+            <a:r>
+              <a:rPr lang="en-US" dirty="0" smtClean="0"/>
+              <a:t>.</a:t>
+            </a:r>
             <a:endParaRPr lang="en-IN" sz="1400" b="1" dirty="0">
               <a:latin typeface="Arial" panose="020B0604020202020204" pitchFamily="34" charset="0"/>
               <a:cs typeface="Arial" panose="020B0604020202020204" pitchFamily="34" charset="0"/>
@@ -8399,7 +8717,7 @@
     </p:spTree>
     <p:extLst>
       <p:ext uri="{BB962C8B-B14F-4D97-AF65-F5344CB8AC3E}">
-        <p14:creationId xmlns:p14="http://schemas.microsoft.com/office/powerpoint/2010/main" val="529267941"/>
+        <p14:creationId xmlns:p14="http://schemas.microsoft.com/office/powerpoint/2010/main" xmlns="" val="529267941"/>
       </p:ext>
     </p:extLst>
   </p:cSld>
@@ -8431,7 +8749,7 @@
           <p:cNvPr id="2" name="Title 1">
             <a:extLst>
               <a:ext uri="{FF2B5EF4-FFF2-40B4-BE49-F238E27FC236}">
-                <a16:creationId xmlns:a16="http://schemas.microsoft.com/office/drawing/2014/main" id="{E1A9363A-F999-4F1C-A157-8DDECEB7BD31}"/>
+                <a16:creationId xmlns:a16="http://schemas.microsoft.com/office/drawing/2014/main" xmlns="" id="{E1A9363A-F999-4F1C-A157-8DDECEB7BD31}"/>
               </a:ext>
             </a:extLst>
           </p:cNvPr>
@@ -8459,7 +8777,7 @@
           <p:cNvPr id="4" name="Content Placeholder 3">
             <a:extLst>
               <a:ext uri="{FF2B5EF4-FFF2-40B4-BE49-F238E27FC236}">
-                <a16:creationId xmlns:a16="http://schemas.microsoft.com/office/drawing/2014/main" id="{387D742D-38A5-44D3-8940-C29BC333E4DE}"/>
+                <a16:creationId xmlns:a16="http://schemas.microsoft.com/office/drawing/2014/main" xmlns="" id="{387D742D-38A5-44D3-8940-C29BC333E4DE}"/>
               </a:ext>
             </a:extLst>
           </p:cNvPr>
@@ -8470,22 +8788,36 @@
             <p:ph idx="1"/>
           </p:nvPr>
         </p:nvSpPr>
-        <p:spPr/>
+        <p:spPr>
+          <a:xfrm>
+            <a:off x="824948" y="1626842"/>
+            <a:ext cx="10515600" cy="4351338"/>
+          </a:xfrm>
+        </p:spPr>
         <p:txBody>
           <a:bodyPr>
             <a:noAutofit/>
           </a:bodyPr>
           <a:lstStyle/>
           <a:p>
+            <a:pPr algn="just"/>
             <a:r>
               <a:rPr lang="en-US" dirty="0"/>
               <a:t>Java EE has several specifications which are useful in making web pages, reading and writing from database in a transactional way, managing distributed queues. The Java EE contains several APIs which have the functionalities of base Java SE APIs such as Enterprise JavaBeans, connectors, Servlets, Java Server Pages and several web service technologies.</a:t>
             </a:r>
           </a:p>
           <a:p>
+            <a:pPr algn="just"/>
             <a:endParaRPr lang="en-US" dirty="0"/>
           </a:p>
           <a:p>
+            <a:pPr algn="just">
+              <a:buNone/>
+            </a:pPr>
+            <a:r>
+              <a:rPr lang="en-US" sz="1400" dirty="0"/>
+              <a:t/>
+            </a:r>
             <a:br>
               <a:rPr lang="en-US" sz="1400" dirty="0"/>
             </a:br>
@@ -8495,13 +8827,14 @@
             </a:endParaRPr>
           </a:p>
           <a:p>
-            <a:pPr lvl="1"/>
+            <a:pPr lvl="1" algn="just"/>
             <a:endParaRPr lang="en-IN" sz="1400" b="1" dirty="0">
               <a:latin typeface="Arial" panose="020B0604020202020204" pitchFamily="34" charset="0"/>
               <a:cs typeface="Arial" panose="020B0604020202020204" pitchFamily="34" charset="0"/>
             </a:endParaRPr>
           </a:p>
           <a:p>
+            <a:pPr algn="just"/>
             <a:endParaRPr lang="en-IN" sz="1400" dirty="0">
               <a:latin typeface="Arial" panose="020B0604020202020204" pitchFamily="34" charset="0"/>
               <a:cs typeface="Arial" panose="020B0604020202020204" pitchFamily="34" charset="0"/>
@@ -8514,7 +8847,7 @@
           <p:cNvPr id="5" name="Picture 4">
             <a:extLst>
               <a:ext uri="{FF2B5EF4-FFF2-40B4-BE49-F238E27FC236}">
-                <a16:creationId xmlns:a16="http://schemas.microsoft.com/office/drawing/2014/main" id="{2598A49B-6BF9-4013-A3C4-C2279EC4D854}"/>
+                <a16:creationId xmlns:a16="http://schemas.microsoft.com/office/drawing/2014/main" xmlns="" id="{2598A49B-6BF9-4013-A3C4-C2279EC4D854}"/>
               </a:ext>
             </a:extLst>
           </p:cNvPr>
@@ -8527,7 +8860,7 @@
           <a:blip r:embed="rId2">
             <a:extLst>
               <a:ext uri="{28A0092B-C50C-407E-A947-70E740481C1C}">
-                <a14:useLocalDpi xmlns:a14="http://schemas.microsoft.com/office/drawing/2010/main" val="0"/>
+                <a14:useLocalDpi xmlns:a14="http://schemas.microsoft.com/office/drawing/2010/main" xmlns="" val="0"/>
               </a:ext>
             </a:extLst>
           </a:blip>
@@ -8548,7 +8881,7 @@
     </p:spTree>
     <p:extLst>
       <p:ext uri="{BB962C8B-B14F-4D97-AF65-F5344CB8AC3E}">
-        <p14:creationId xmlns:p14="http://schemas.microsoft.com/office/powerpoint/2010/main" val="3225848320"/>
+        <p14:creationId xmlns:p14="http://schemas.microsoft.com/office/powerpoint/2010/main" xmlns="" val="3225848320"/>
       </p:ext>
     </p:extLst>
   </p:cSld>
@@ -8580,7 +8913,7 @@
           <p:cNvPr id="2" name="Title 1">
             <a:extLst>
               <a:ext uri="{FF2B5EF4-FFF2-40B4-BE49-F238E27FC236}">
-                <a16:creationId xmlns:a16="http://schemas.microsoft.com/office/drawing/2014/main" id="{E1A9363A-F999-4F1C-A157-8DDECEB7BD31}"/>
+                <a16:creationId xmlns:a16="http://schemas.microsoft.com/office/drawing/2014/main" xmlns="" id="{E1A9363A-F999-4F1C-A157-8DDECEB7BD31}"/>
               </a:ext>
             </a:extLst>
           </p:cNvPr>
@@ -8608,7 +8941,7 @@
           <p:cNvPr id="4" name="Content Placeholder 3">
             <a:extLst>
               <a:ext uri="{FF2B5EF4-FFF2-40B4-BE49-F238E27FC236}">
-                <a16:creationId xmlns:a16="http://schemas.microsoft.com/office/drawing/2014/main" id="{387D742D-38A5-44D3-8940-C29BC333E4DE}"/>
+                <a16:creationId xmlns:a16="http://schemas.microsoft.com/office/drawing/2014/main" xmlns="" id="{387D742D-38A5-44D3-8940-C29BC333E4DE}"/>
               </a:ext>
             </a:extLst>
           </p:cNvPr>
@@ -8629,6 +8962,10 @@
             <a:endParaRPr lang="en-US" dirty="0"/>
           </a:p>
           <a:p>
+            <a:r>
+              <a:rPr lang="en-US" sz="1400" dirty="0"/>
+              <a:t/>
+            </a:r>
             <a:br>
               <a:rPr lang="en-US" sz="1400" dirty="0"/>
             </a:br>
@@ -8657,7 +8994,7 @@
           <p:cNvPr id="6" name="Picture 5">
             <a:extLst>
               <a:ext uri="{FF2B5EF4-FFF2-40B4-BE49-F238E27FC236}">
-                <a16:creationId xmlns:a16="http://schemas.microsoft.com/office/drawing/2014/main" id="{30F38BCB-4030-4B51-8B5F-3264FDE4FF2A}"/>
+                <a16:creationId xmlns:a16="http://schemas.microsoft.com/office/drawing/2014/main" xmlns="" id="{30F38BCB-4030-4B51-8B5F-3264FDE4FF2A}"/>
               </a:ext>
             </a:extLst>
           </p:cNvPr>
@@ -8670,7 +9007,7 @@
           <a:blip r:embed="rId2">
             <a:extLst>
               <a:ext uri="{28A0092B-C50C-407E-A947-70E740481C1C}">
-                <a14:useLocalDpi xmlns:a14="http://schemas.microsoft.com/office/drawing/2010/main" val="0"/>
+                <a14:useLocalDpi xmlns:a14="http://schemas.microsoft.com/office/drawing/2010/main" xmlns="" val="0"/>
               </a:ext>
             </a:extLst>
           </a:blip>
@@ -8691,7 +9028,7 @@
     </p:spTree>
     <p:extLst>
       <p:ext uri="{BB962C8B-B14F-4D97-AF65-F5344CB8AC3E}">
-        <p14:creationId xmlns:p14="http://schemas.microsoft.com/office/powerpoint/2010/main" val="192096471"/>
+        <p14:creationId xmlns:p14="http://schemas.microsoft.com/office/powerpoint/2010/main" xmlns="" val="192096471"/>
       </p:ext>
     </p:extLst>
   </p:cSld>
@@ -8723,7 +9060,7 @@
           <p:cNvPr id="2" name="Title 1">
             <a:extLst>
               <a:ext uri="{FF2B5EF4-FFF2-40B4-BE49-F238E27FC236}">
-                <a16:creationId xmlns:a16="http://schemas.microsoft.com/office/drawing/2014/main" id="{E1A9363A-F999-4F1C-A157-8DDECEB7BD31}"/>
+                <a16:creationId xmlns:a16="http://schemas.microsoft.com/office/drawing/2014/main" xmlns="" id="{E1A9363A-F999-4F1C-A157-8DDECEB7BD31}"/>
               </a:ext>
             </a:extLst>
           </p:cNvPr>
@@ -8751,7 +9088,7 @@
           <p:cNvPr id="4" name="Content Placeholder 3">
             <a:extLst>
               <a:ext uri="{FF2B5EF4-FFF2-40B4-BE49-F238E27FC236}">
-                <a16:creationId xmlns:a16="http://schemas.microsoft.com/office/drawing/2014/main" id="{387D742D-38A5-44D3-8940-C29BC333E4DE}"/>
+                <a16:creationId xmlns:a16="http://schemas.microsoft.com/office/drawing/2014/main" xmlns="" id="{387D742D-38A5-44D3-8940-C29BC333E4DE}"/>
               </a:ext>
             </a:extLst>
           </p:cNvPr>
@@ -8762,13 +9099,19 @@
             <p:ph idx="1"/>
           </p:nvPr>
         </p:nvSpPr>
-        <p:spPr/>
+        <p:spPr>
+          <a:xfrm>
+            <a:off x="851452" y="1613590"/>
+            <a:ext cx="10515600" cy="4351338"/>
+          </a:xfrm>
+        </p:spPr>
         <p:txBody>
           <a:bodyPr>
             <a:noAutofit/>
           </a:bodyPr>
           <a:lstStyle/>
           <a:p>
+            <a:pPr algn="just"/>
             <a:r>
               <a:rPr lang="en-US" b="1" dirty="0"/>
               <a:t>Servlet</a:t>
@@ -8779,6 +9122,7 @@
             </a:r>
           </a:p>
           <a:p>
+            <a:pPr algn="just"/>
             <a:r>
               <a:rPr lang="en-US" b="1" dirty="0"/>
               <a:t>Servlet</a:t>
@@ -8789,6 +9133,7 @@
             </a:r>
           </a:p>
           <a:p>
+            <a:pPr algn="just"/>
             <a:r>
               <a:rPr lang="en-US" dirty="0"/>
               <a:t>There are many interfaces and classes in the Servlet API such as Servlet, </a:t>
@@ -8831,13 +9176,14 @@
             </a:endParaRPr>
           </a:p>
           <a:p>
-            <a:pPr lvl="1"/>
+            <a:pPr lvl="1" algn="just"/>
             <a:endParaRPr lang="en-IN" sz="1400" b="1" dirty="0">
               <a:latin typeface="Arial" panose="020B0604020202020204" pitchFamily="34" charset="0"/>
               <a:cs typeface="Arial" panose="020B0604020202020204" pitchFamily="34" charset="0"/>
             </a:endParaRPr>
           </a:p>
           <a:p>
+            <a:pPr algn="just"/>
             <a:endParaRPr lang="en-IN" sz="1400" dirty="0">
               <a:latin typeface="Arial" panose="020B0604020202020204" pitchFamily="34" charset="0"/>
               <a:cs typeface="Arial" panose="020B0604020202020204" pitchFamily="34" charset="0"/>
@@ -8848,7 +9194,7 @@
     </p:spTree>
     <p:extLst>
       <p:ext uri="{BB962C8B-B14F-4D97-AF65-F5344CB8AC3E}">
-        <p14:creationId xmlns:p14="http://schemas.microsoft.com/office/powerpoint/2010/main" val="493829689"/>
+        <p14:creationId xmlns:p14="http://schemas.microsoft.com/office/powerpoint/2010/main" xmlns="" val="493829689"/>
       </p:ext>
     </p:extLst>
   </p:cSld>
@@ -8880,7 +9226,7 @@
           <p:cNvPr id="2" name="Title 1">
             <a:extLst>
               <a:ext uri="{FF2B5EF4-FFF2-40B4-BE49-F238E27FC236}">
-                <a16:creationId xmlns:a16="http://schemas.microsoft.com/office/drawing/2014/main" id="{E1A9363A-F999-4F1C-A157-8DDECEB7BD31}"/>
+                <a16:creationId xmlns:a16="http://schemas.microsoft.com/office/drawing/2014/main" xmlns="" id="{E1A9363A-F999-4F1C-A157-8DDECEB7BD31}"/>
               </a:ext>
             </a:extLst>
           </p:cNvPr>
@@ -8908,7 +9254,7 @@
           <p:cNvPr id="4" name="Content Placeholder 3">
             <a:extLst>
               <a:ext uri="{FF2B5EF4-FFF2-40B4-BE49-F238E27FC236}">
-                <a16:creationId xmlns:a16="http://schemas.microsoft.com/office/drawing/2014/main" id="{387D742D-38A5-44D3-8940-C29BC333E4DE}"/>
+                <a16:creationId xmlns:a16="http://schemas.microsoft.com/office/drawing/2014/main" xmlns="" id="{387D742D-38A5-44D3-8940-C29BC333E4DE}"/>
               </a:ext>
             </a:extLst>
           </p:cNvPr>
@@ -8945,7 +9291,7 @@
           <p:cNvPr id="5" name="Picture 4">
             <a:extLst>
               <a:ext uri="{FF2B5EF4-FFF2-40B4-BE49-F238E27FC236}">
-                <a16:creationId xmlns:a16="http://schemas.microsoft.com/office/drawing/2014/main" id="{6D6EAD35-E9B2-491C-9D08-071899D86ED9}"/>
+                <a16:creationId xmlns:a16="http://schemas.microsoft.com/office/drawing/2014/main" xmlns="" id="{6D6EAD35-E9B2-491C-9D08-071899D86ED9}"/>
               </a:ext>
             </a:extLst>
           </p:cNvPr>
@@ -8958,7 +9304,7 @@
           <a:blip r:embed="rId2">
             <a:extLst>
               <a:ext uri="{28A0092B-C50C-407E-A947-70E740481C1C}">
-                <a14:useLocalDpi xmlns:a14="http://schemas.microsoft.com/office/drawing/2010/main" val="0"/>
+                <a14:useLocalDpi xmlns:a14="http://schemas.microsoft.com/office/drawing/2010/main" xmlns="" val="0"/>
               </a:ext>
             </a:extLst>
           </a:blip>
@@ -8979,7 +9325,7 @@
     </p:spTree>
     <p:extLst>
       <p:ext uri="{BB962C8B-B14F-4D97-AF65-F5344CB8AC3E}">
-        <p14:creationId xmlns:p14="http://schemas.microsoft.com/office/powerpoint/2010/main" val="864746092"/>
+        <p14:creationId xmlns:p14="http://schemas.microsoft.com/office/powerpoint/2010/main" xmlns="" val="864746092"/>
       </p:ext>
     </p:extLst>
   </p:cSld>
@@ -9011,7 +9357,7 @@
           <p:cNvPr id="2" name="Title 1">
             <a:extLst>
               <a:ext uri="{FF2B5EF4-FFF2-40B4-BE49-F238E27FC236}">
-                <a16:creationId xmlns:a16="http://schemas.microsoft.com/office/drawing/2014/main" id="{E1A9363A-F999-4F1C-A157-8DDECEB7BD31}"/>
+                <a16:creationId xmlns:a16="http://schemas.microsoft.com/office/drawing/2014/main" xmlns="" id="{E1A9363A-F999-4F1C-A157-8DDECEB7BD31}"/>
               </a:ext>
             </a:extLst>
           </p:cNvPr>
@@ -9022,13 +9368,18 @@
             <p:ph type="title"/>
           </p:nvPr>
         </p:nvSpPr>
-        <p:spPr/>
+        <p:spPr>
+          <a:xfrm>
+            <a:off x="838200" y="365125"/>
+            <a:ext cx="10515600" cy="1158875"/>
+          </a:xfrm>
+        </p:spPr>
         <p:txBody>
           <a:bodyPr/>
           <a:lstStyle/>
           <a:p>
             <a:r>
-              <a:rPr lang="en-IN" dirty="0"/>
+              <a:rPr lang="en-IN" b="1" dirty="0"/>
               <a:t>Servlet config and context</a:t>
             </a:r>
           </a:p>
@@ -9039,7 +9390,7 @@
           <p:cNvPr id="4" name="Content Placeholder 3">
             <a:extLst>
               <a:ext uri="{FF2B5EF4-FFF2-40B4-BE49-F238E27FC236}">
-                <a16:creationId xmlns:a16="http://schemas.microsoft.com/office/drawing/2014/main" id="{387D742D-38A5-44D3-8940-C29BC333E4DE}"/>
+                <a16:creationId xmlns:a16="http://schemas.microsoft.com/office/drawing/2014/main" xmlns="" id="{387D742D-38A5-44D3-8940-C29BC333E4DE}"/>
               </a:ext>
             </a:extLst>
           </p:cNvPr>
@@ -9076,7 +9427,7 @@
           <p:cNvPr id="6" name="Picture 5">
             <a:extLst>
               <a:ext uri="{FF2B5EF4-FFF2-40B4-BE49-F238E27FC236}">
-                <a16:creationId xmlns:a16="http://schemas.microsoft.com/office/drawing/2014/main" id="{778DED33-4363-4F04-8A1F-FEF2428C0596}"/>
+                <a16:creationId xmlns:a16="http://schemas.microsoft.com/office/drawing/2014/main" xmlns="" id="{778DED33-4363-4F04-8A1F-FEF2428C0596}"/>
               </a:ext>
             </a:extLst>
           </p:cNvPr>
@@ -9089,7 +9440,7 @@
           <a:blip r:embed="rId2">
             <a:extLst>
               <a:ext uri="{28A0092B-C50C-407E-A947-70E740481C1C}">
-                <a14:useLocalDpi xmlns:a14="http://schemas.microsoft.com/office/drawing/2010/main" val="0"/>
+                <a14:useLocalDpi xmlns:a14="http://schemas.microsoft.com/office/drawing/2010/main" xmlns="" val="0"/>
               </a:ext>
             </a:extLst>
           </a:blip>
@@ -9099,8 +9450,8 @@
         </p:blipFill>
         <p:spPr>
           <a:xfrm>
-            <a:off x="1102936" y="1480008"/>
-            <a:ext cx="9087439" cy="4230229"/>
+            <a:off x="345444" y="1480007"/>
+            <a:ext cx="10759878" cy="4854531"/>
           </a:xfrm>
           <a:prstGeom prst="rect">
             <a:avLst/>
@@ -9110,7 +9461,7 @@
     </p:spTree>
     <p:extLst>
       <p:ext uri="{BB962C8B-B14F-4D97-AF65-F5344CB8AC3E}">
-        <p14:creationId xmlns:p14="http://schemas.microsoft.com/office/powerpoint/2010/main" val="763227467"/>
+        <p14:creationId xmlns:p14="http://schemas.microsoft.com/office/powerpoint/2010/main" xmlns="" val="763227467"/>
       </p:ext>
     </p:extLst>
   </p:cSld>
@@ -9163,7 +9514,7 @@
     </a:clrScheme>
     <a:fontScheme name="Office">
       <a:majorFont>
-        <a:latin typeface="Calibri Light" panose="020F0302020204030204"/>
+        <a:latin typeface="Calibri Light"/>
         <a:ea typeface=""/>
         <a:cs typeface=""/>
         <a:font script="Jpan" typeface="游ゴシック Light"/>
@@ -9215,7 +9566,7 @@
         <a:font script="Tfng" typeface="Ebrima"/>
       </a:majorFont>
       <a:minorFont>
-        <a:latin typeface="Calibri" panose="020F0502020204030204"/>
+        <a:latin typeface="Calibri"/>
         <a:ea typeface=""/>
         <a:cs typeface=""/>
         <a:font script="Jpan" typeface="游ゴシック"/>
@@ -9409,7 +9760,7 @@
   <a:extraClrSchemeLst/>
   <a:extLst>
     <a:ext uri="{05A4C25C-085E-4340-85A3-A5531E510DB2}">
-      <thm15:themeFamily xmlns:thm15="http://schemas.microsoft.com/office/thememl/2012/main" name="Office Theme" id="{62F939B6-93AF-4DB8-9C6B-D6C7DFDC589F}" vid="{4A3C46E8-61CC-4603-A589-7422A47A8E4A}"/>
+      <thm15:themeFamily xmlns:thm15="http://schemas.microsoft.com/office/thememl/2012/main" xmlns="" name="Office Theme" id="{62F939B6-93AF-4DB8-9C6B-D6C7DFDC589F}" vid="{4A3C46E8-61CC-4603-A589-7422A47A8E4A}"/>
     </a:ext>
   </a:extLst>
 </a:theme>
